--- a/doc/frontend/wireframe/TRN-MiniBlog_WireframeDesign_TRILE.pptx
+++ b/doc/frontend/wireframe/TRN-MiniBlog_WireframeDesign_TRILE.pptx
@@ -242,7 +242,7 @@
           </a:lstStyle>
           <a:p>
             <a:fld id="{0B14D75D-3A88-044C-B530-B9A2A8B351DB}" type="datetimeFigureOut">
-              <a:t>1/20/15</a:t>
+              <a:t>1/21/15</a:t>
             </a:fld>
             <a:endParaRPr kumimoji="1" lang="ja-JP" altLang="en-US"/>
           </a:p>
@@ -699,7 +699,7 @@
                 <a:ea typeface="ＭＳ Ｐゴシック"/>
               </a:rPr>
               <a:pPr/>
-              <a:t>1/20/15</a:t>
+              <a:t>1/21/15</a:t>
             </a:fld>
             <a:endParaRPr lang="ja-JP" altLang="en-US">
               <a:solidFill>
@@ -943,7 +943,7 @@
                 <a:ea typeface="ＭＳ Ｐゴシック"/>
               </a:rPr>
               <a:pPr/>
-              <a:t>1/20/15</a:t>
+              <a:t>1/21/15</a:t>
             </a:fld>
             <a:endParaRPr lang="ja-JP" altLang="en-US">
               <a:solidFill>
@@ -1197,7 +1197,7 @@
                 <a:ea typeface="ＭＳ Ｐゴシック"/>
               </a:rPr>
               <a:pPr/>
-              <a:t>1/20/15</a:t>
+              <a:t>1/21/15</a:t>
             </a:fld>
             <a:endParaRPr lang="ja-JP" altLang="en-US">
               <a:solidFill>
@@ -1334,7 +1334,7 @@
                 <a:ea typeface="ＭＳ Ｐゴシック"/>
               </a:rPr>
               <a:pPr/>
-              <a:t>1/20/15</a:t>
+              <a:t>1/21/15</a:t>
             </a:fld>
             <a:endParaRPr lang="ja-JP" altLang="en-US">
               <a:solidFill>
@@ -2005,7 +2005,7 @@
                 <a:ea typeface="ＭＳ Ｐゴシック"/>
               </a:rPr>
               <a:pPr/>
-              <a:t>1/20/15</a:t>
+              <a:t>1/21/15</a:t>
             </a:fld>
             <a:endParaRPr lang="ja-JP" altLang="en-US">
               <a:solidFill>
@@ -2676,7 +2676,7 @@
                 <a:ea typeface="ＭＳ Ｐゴシック"/>
               </a:rPr>
               <a:pPr/>
-              <a:t>1/20/15</a:t>
+              <a:t>1/21/15</a:t>
             </a:fld>
             <a:endParaRPr lang="ja-JP" altLang="en-US">
               <a:solidFill>
@@ -3454,7 +3454,7 @@
                 <a:ea typeface="ＭＳ Ｐゴシック"/>
               </a:rPr>
               <a:pPr/>
-              <a:t>1/20/15</a:t>
+              <a:t>1/21/15</a:t>
             </a:fld>
             <a:endParaRPr lang="ja-JP" altLang="en-US">
               <a:solidFill>
@@ -3992,7 +3992,7 @@
                 <a:ea typeface="ＭＳ Ｐゴシック"/>
               </a:rPr>
               <a:pPr/>
-              <a:t>1/20/15</a:t>
+              <a:t>1/21/15</a:t>
             </a:fld>
             <a:endParaRPr lang="ja-JP" altLang="en-US">
               <a:solidFill>
@@ -4386,7 +4386,7 @@
                 <a:ea typeface="ＭＳ Ｐゴシック"/>
               </a:rPr>
               <a:pPr/>
-              <a:t>1/20/15</a:t>
+              <a:t>1/21/15</a:t>
             </a:fld>
             <a:endParaRPr lang="ja-JP" altLang="en-US">
               <a:solidFill>
@@ -5277,7 +5277,7 @@
                 <a:ea typeface="ＭＳ Ｐゴシック"/>
               </a:rPr>
               <a:pPr/>
-              <a:t>1/20/15</a:t>
+              <a:t>1/21/15</a:t>
             </a:fld>
             <a:endParaRPr lang="ja-JP" altLang="en-US">
               <a:solidFill>
@@ -5437,7 +5437,7 @@
                 <a:ea typeface="ＭＳ Ｐゴシック"/>
               </a:rPr>
               <a:pPr/>
-              <a:t>1/20/15</a:t>
+              <a:t>1/21/15</a:t>
             </a:fld>
             <a:endParaRPr lang="ja-JP" altLang="en-US">
               <a:solidFill>
@@ -5574,7 +5574,7 @@
                 <a:ea typeface="ＭＳ Ｐゴシック"/>
               </a:rPr>
               <a:pPr/>
-              <a:t>1/20/15</a:t>
+              <a:t>1/21/15</a:t>
             </a:fld>
             <a:endParaRPr lang="ja-JP" altLang="en-US">
               <a:solidFill>
@@ -5925,7 +5925,7 @@
                 <a:ea typeface="ＭＳ Ｐゴシック"/>
               </a:rPr>
               <a:pPr/>
-              <a:t>1/20/15</a:t>
+              <a:t>1/21/15</a:t>
             </a:fld>
             <a:endParaRPr lang="ja-JP" altLang="en-US">
               <a:solidFill>
@@ -6220,7 +6220,7 @@
                 <a:ea typeface="ＭＳ Ｐゴシック"/>
               </a:rPr>
               <a:pPr/>
-              <a:t>1/20/15</a:t>
+              <a:t>1/21/15</a:t>
             </a:fld>
             <a:endParaRPr lang="ja-JP" altLang="en-US">
               <a:solidFill>
@@ -6507,7 +6507,7 @@
                 <a:ea typeface="ＭＳ Ｐゴシック"/>
               </a:rPr>
               <a:pPr/>
-              <a:t>1/20/15</a:t>
+              <a:t>1/21/15</a:t>
             </a:fld>
             <a:endParaRPr kumimoji="1" lang="ja-JP" altLang="en-US">
               <a:solidFill>
@@ -7430,15 +7430,7 @@
           <a:p>
             <a:r>
               <a:rPr kumimoji="1" lang="en-US" altLang="ja-JP" dirty="0" smtClean="0"/>
-              <a:t>S-3-6</a:t>
-            </a:r>
-            <a:r>
-              <a:rPr kumimoji="1" lang="en-US" altLang="ja-JP" dirty="0" smtClean="0"/>
-              <a:t> </a:t>
-            </a:r>
-            <a:r>
-              <a:rPr kumimoji="1" lang="en-US" altLang="ja-JP" dirty="0" smtClean="0"/>
-              <a:t>Edit comment</a:t>
+              <a:t>S-3-6 Edit comment</a:t>
             </a:r>
             <a:endParaRPr kumimoji="1" lang="ja-JP" altLang="en-US" dirty="0"/>
           </a:p>
@@ -7484,14 +7476,6 @@
           <a:lstStyle/>
           <a:p>
             <a:pPr algn="ctr"/>
-            <a:r>
-              <a:rPr kumimoji="1" lang="en-US" altLang="ja-JP" dirty="0" smtClean="0">
-                <a:solidFill>
-                  <a:srgbClr val="FF0000"/>
-                </a:solidFill>
-              </a:rPr>
-              <a:t/>
-            </a:r>
             <a:endParaRPr kumimoji="1" lang="ja-JP" altLang="en-US" dirty="0">
               <a:solidFill>
                 <a:srgbClr val="FF0000"/>
@@ -7637,14 +7621,14 @@
           <p:nvPr>
             <p:extLst>
               <p:ext uri="{D42A27DB-BD31-4B8C-83A1-F6EECF244321}">
-                <p14:modId xmlns:p14="http://schemas.microsoft.com/office/powerpoint/2010/main" val="2947314178"/>
+                <p14:modId xmlns:p14="http://schemas.microsoft.com/office/powerpoint/2010/main" val="3858482067"/>
               </p:ext>
             </p:extLst>
           </p:nvPr>
         </p:nvGraphicFramePr>
         <p:xfrm>
           <a:off x="5156198" y="1009450"/>
-          <a:ext cx="3903137" cy="723322"/>
+          <a:ext cx="3903137" cy="875722"/>
         </p:xfrm>
         <a:graphic>
           <a:graphicData uri="http://schemas.openxmlformats.org/drawingml/2006/table">
@@ -7794,11 +7778,26 @@
                       </a:pPr>
                       <a:r>
                         <a:rPr kumimoji="1" lang="en-US" altLang="ja-JP" sz="1000" dirty="0" smtClean="0"/>
+                        <a:t>Input new comment</a:t>
+                      </a:r>
+                      <a:r>
+                        <a:rPr kumimoji="1" lang="en-US" altLang="ja-JP" sz="1000" dirty="0" smtClean="0"/>
+                        <a:t/>
+                      </a:r>
+                      <a:br>
+                        <a:rPr kumimoji="1" lang="en-US" altLang="ja-JP" sz="1000" dirty="0" smtClean="0"/>
+                      </a:br>
+                      <a:r>
+                        <a:rPr kumimoji="1" lang="en-US" altLang="ja-JP" sz="1000" dirty="0" smtClean="0"/>
                         <a:t>Enter</a:t>
                       </a:r>
                       <a:r>
                         <a:rPr kumimoji="1" lang="en-US" altLang="ja-JP" sz="1000" baseline="0" dirty="0" smtClean="0"/>
-                        <a:t> to send edit content</a:t>
+                        <a:t> </a:t>
+                      </a:r>
+                      <a:r>
+                        <a:rPr kumimoji="1" lang="en-US" altLang="ja-JP" sz="1000" baseline="0" dirty="0" smtClean="0"/>
+                        <a:t>to send edit content</a:t>
                       </a:r>
                       <a:endParaRPr kumimoji="1" lang="ja-JP" altLang="en-US" sz="1000" dirty="0"/>
                     </a:p>
@@ -9359,11 +9358,7 @@
             </a:r>
             <a:r>
               <a:rPr kumimoji="1" lang="en-US" altLang="ja-JP" dirty="0" smtClean="0"/>
-              <a:t>-3-7 </a:t>
-            </a:r>
-            <a:r>
-              <a:rPr kumimoji="1" lang="en-US" altLang="ja-JP" dirty="0" smtClean="0"/>
-              <a:t>Change password</a:t>
+              <a:t>-3-7 Change password</a:t>
             </a:r>
             <a:endParaRPr kumimoji="1" lang="ja-JP" altLang="en-US" dirty="0"/>
           </a:p>
@@ -10658,11 +10653,7 @@
             </a:r>
             <a:r>
               <a:rPr kumimoji="1" lang="en-US" altLang="ja-JP" dirty="0" smtClean="0"/>
-              <a:t>-5-1 </a:t>
-            </a:r>
-            <a:r>
-              <a:rPr kumimoji="1" lang="en-US" altLang="ja-JP" dirty="0" smtClean="0"/>
-              <a:t>Register</a:t>
+              <a:t>-5-1 Register</a:t>
             </a:r>
             <a:endParaRPr kumimoji="1" lang="ja-JP" altLang="en-US" dirty="0"/>
           </a:p>
@@ -15477,11 +15468,7 @@
             </a:r>
             <a:r>
               <a:rPr kumimoji="1" lang="en-US" altLang="ja-JP" dirty="0" smtClean="0"/>
-              <a:t>-3-5 </a:t>
-            </a:r>
-            <a:r>
-              <a:rPr kumimoji="1" lang="en-US" altLang="ja-JP" dirty="0" smtClean="0"/>
-              <a:t>Edit post</a:t>
+              <a:t>-3-5 Edit post</a:t>
             </a:r>
             <a:endParaRPr kumimoji="1" lang="ja-JP" altLang="en-US" dirty="0"/>
           </a:p>
@@ -15527,14 +15514,6 @@
           <a:lstStyle/>
           <a:p>
             <a:pPr algn="ctr"/>
-            <a:r>
-              <a:rPr kumimoji="1" lang="en-US" altLang="ja-JP" dirty="0" smtClean="0">
-                <a:solidFill>
-                  <a:srgbClr val="FF0000"/>
-                </a:solidFill>
-              </a:rPr>
-              <a:t/>
-            </a:r>
             <a:endParaRPr kumimoji="1" lang="ja-JP" altLang="en-US" dirty="0">
               <a:solidFill>
                 <a:srgbClr val="FF0000"/>
@@ -17564,7 +17543,6 @@
               <a:rPr kumimoji="1" lang="en-US" altLang="ja-JP" sz="1000" dirty="0" smtClean="0"/>
               <a:t>Welcome</a:t>
             </a:r>
-            <a:endParaRPr kumimoji="1" lang="en-US" altLang="ja-JP" sz="1000" dirty="0" smtClean="0"/>
           </a:p>
         </p:txBody>
       </p:sp>
@@ -17930,11 +17908,7 @@
           <a:p>
             <a:r>
               <a:rPr kumimoji="1" lang="en-US" altLang="ja-JP" sz="1000" dirty="0" smtClean="0"/>
-              <a:t>Post d</a:t>
-            </a:r>
-            <a:r>
-              <a:rPr kumimoji="1" lang="en-US" altLang="ja-JP" sz="1000" dirty="0" smtClean="0"/>
-              <a:t>etail</a:t>
+              <a:t>Post detail</a:t>
             </a:r>
             <a:endParaRPr kumimoji="1" lang="ja-JP" altLang="en-US" sz="1000" dirty="0"/>
           </a:p>
@@ -19234,7 +19208,7 @@
           <p:nvPr>
             <p:extLst>
               <p:ext uri="{D42A27DB-BD31-4B8C-83A1-F6EECF244321}">
-                <p14:modId xmlns:p14="http://schemas.microsoft.com/office/powerpoint/2010/main" val="3603808304"/>
+                <p14:modId xmlns:p14="http://schemas.microsoft.com/office/powerpoint/2010/main" val="1574759024"/>
               </p:ext>
             </p:extLst>
           </p:nvPr>
@@ -19398,7 +19372,15 @@
                       </a:r>
                       <a:r>
                         <a:rPr kumimoji="1" lang="en-US" altLang="ja-JP" sz="1000" baseline="0" dirty="0" smtClean="0"/>
-                        <a:t>, post</a:t>
+                        <a:t>, </a:t>
+                      </a:r>
+                      <a:r>
+                        <a:rPr kumimoji="1" lang="en-US" altLang="ja-JP" sz="1000" baseline="0" dirty="0" smtClean="0"/>
+                        <a:t>post </a:t>
+                      </a:r>
+                      <a:r>
+                        <a:rPr kumimoji="1" lang="en-US" altLang="ja-JP" sz="1000" baseline="0" dirty="0" smtClean="0"/>
+                        <a:t>content</a:t>
                       </a:r>
                       <a:endParaRPr kumimoji="1" lang="ja-JP" altLang="en-US" sz="1000" dirty="0"/>
                     </a:p>
@@ -19989,14 +19971,21 @@
                           <a:latin typeface="Calibri"/>
                           <a:cs typeface="Calibri"/>
                         </a:rPr>
-                        <a:t>S-5</a:t>
+                        <a:t>S</a:t>
                       </a:r>
                       <a:r>
                         <a:rPr kumimoji="1" lang="vi-VN" altLang="ja-JP" sz="1000" dirty="0" smtClean="0">
                           <a:latin typeface="Calibri"/>
                           <a:cs typeface="Calibri"/>
                         </a:rPr>
-                        <a:t>-1</a:t>
+                        <a:t>-3-</a:t>
+                      </a:r>
+                      <a:r>
+                        <a:rPr kumimoji="1" lang="vi-VN" altLang="ja-JP" sz="1000" dirty="0" smtClean="0">
+                          <a:latin typeface="Calibri"/>
+                          <a:cs typeface="Calibri"/>
+                        </a:rPr>
+                        <a:t>1</a:t>
                       </a:r>
                       <a:endParaRPr kumimoji="1" lang="ja-JP" altLang="en-US" sz="1000" dirty="0">
                         <a:latin typeface="Calibri"/>
@@ -26205,11 +26194,7 @@
             </a:r>
             <a:r>
               <a:rPr kumimoji="1" lang="en-US" altLang="ja-JP" dirty="0" smtClean="0"/>
-              <a:t>-3-2 </a:t>
-            </a:r>
-            <a:r>
-              <a:rPr kumimoji="1" lang="en-US" altLang="ja-JP" dirty="0" smtClean="0"/>
-              <a:t>Post detail</a:t>
+              <a:t>-3-2 Post detail</a:t>
             </a:r>
             <a:endParaRPr kumimoji="1" lang="ja-JP" altLang="en-US" dirty="0"/>
           </a:p>
@@ -26255,14 +26240,6 @@
           <a:lstStyle/>
           <a:p>
             <a:pPr algn="ctr"/>
-            <a:r>
-              <a:rPr kumimoji="1" lang="en-US" altLang="ja-JP" dirty="0" smtClean="0">
-                <a:solidFill>
-                  <a:srgbClr val="FF0000"/>
-                </a:solidFill>
-              </a:rPr>
-              <a:t/>
-            </a:r>
             <a:endParaRPr kumimoji="1" lang="ja-JP" altLang="en-US" dirty="0">
               <a:solidFill>
                 <a:srgbClr val="FF0000"/>
@@ -26408,7 +26385,7 @@
           <p:nvPr>
             <p:extLst>
               <p:ext uri="{D42A27DB-BD31-4B8C-83A1-F6EECF244321}">
-                <p14:modId xmlns:p14="http://schemas.microsoft.com/office/powerpoint/2010/main" val="1607235688"/>
+                <p14:modId xmlns:p14="http://schemas.microsoft.com/office/powerpoint/2010/main" val="241361784"/>
               </p:ext>
             </p:extLst>
           </p:nvPr>
@@ -26565,16 +26542,12 @@
                       </a:pPr>
                       <a:r>
                         <a:rPr kumimoji="1" lang="en-US" altLang="ja-JP" sz="1000" dirty="0" smtClean="0"/>
-                        <a:t>Show if owner of </a:t>
-                      </a:r>
-                      <a:r>
-                        <a:rPr kumimoji="1" lang="en-US" altLang="ja-JP" sz="1000" dirty="0" smtClean="0"/>
-                        <a:t>post</a:t>
+                        <a:t>Show if owner of post</a:t>
                       </a:r>
                       <a:endParaRPr kumimoji="1" lang="ja-JP" altLang="en-US" sz="1000" dirty="0"/>
                     </a:p>
                   </a:txBody>
-                  <a:tcPr/>
+                  <a:tcPr anchor="ctr" anchorCtr="1"/>
                 </a:tc>
                 <a:tc>
                   <a:txBody>
@@ -26658,7 +26631,7 @@
                       <a:endParaRPr kumimoji="1" lang="ja-JP" altLang="en-US" sz="1000" dirty="0" smtClean="0"/>
                     </a:p>
                   </a:txBody>
-                  <a:tcPr/>
+                  <a:tcPr anchor="ctr" anchorCtr="1"/>
                 </a:tc>
                 <a:tc>
                   <a:txBody>
@@ -26718,10 +26691,10 @@
                     <a:bodyPr/>
                     <a:lstStyle/>
                     <a:p>
-                      <a:endParaRPr kumimoji="1" lang="ja-JP" altLang="en-US" sz="1000"/>
-                    </a:p>
-                  </a:txBody>
-                  <a:tcPr/>
+                      <a:endParaRPr kumimoji="1" lang="ja-JP" altLang="en-US" sz="1000" dirty="0"/>
+                    </a:p>
+                  </a:txBody>
+                  <a:tcPr anchor="ctr" anchorCtr="1"/>
                 </a:tc>
                 <a:tc>
                   <a:txBody>
@@ -26805,7 +26778,7 @@
                       <a:endParaRPr kumimoji="1" lang="ja-JP" altLang="en-US" sz="1000" dirty="0"/>
                     </a:p>
                   </a:txBody>
-                  <a:tcPr/>
+                  <a:tcPr anchor="ctr" anchorCtr="1"/>
                 </a:tc>
                 <a:tc>
                   <a:txBody>
@@ -26882,7 +26855,7 @@
                       <a:endParaRPr kumimoji="1" lang="ja-JP" altLang="en-US" sz="1000" dirty="0"/>
                     </a:p>
                   </a:txBody>
-                  <a:tcPr/>
+                  <a:tcPr anchor="ctr" anchorCtr="1"/>
                 </a:tc>
                 <a:tc>
                   <a:txBody>
@@ -26990,6 +26963,13 @@
                         <a:tabLst/>
                         <a:defRPr/>
                       </a:pPr>
+                      <a:r>
+                        <a:rPr kumimoji="1" lang="en-US" altLang="ja-JP" sz="1000" dirty="0" smtClean="0">
+                          <a:latin typeface="+mn-lt"/>
+                          <a:cs typeface="Calibri"/>
+                        </a:rPr>
+                        <a:t>S-3-6</a:t>
+                      </a:r>
                       <a:endParaRPr kumimoji="1" lang="ja-JP" altLang="en-US" sz="1000" dirty="0" smtClean="0">
                         <a:latin typeface="+mn-lt"/>
                         <a:cs typeface="Calibri"/>
@@ -29066,11 +29046,7 @@
             </a:r>
             <a:r>
               <a:rPr kumimoji="1" lang="en-US" altLang="ja-JP" dirty="0" smtClean="0"/>
-              <a:t>-3-3 </a:t>
-            </a:r>
-            <a:r>
-              <a:rPr kumimoji="1" lang="en-US" altLang="ja-JP" dirty="0" smtClean="0"/>
-              <a:t>Edit profile</a:t>
+              <a:t>-3-3 Edit profile</a:t>
             </a:r>
             <a:endParaRPr kumimoji="1" lang="ja-JP" altLang="en-US" dirty="0"/>
           </a:p>
@@ -29261,14 +29237,14 @@
           <p:nvPr>
             <p:extLst>
               <p:ext uri="{D42A27DB-BD31-4B8C-83A1-F6EECF244321}">
-                <p14:modId xmlns:p14="http://schemas.microsoft.com/office/powerpoint/2010/main" val="2800807005"/>
+                <p14:modId xmlns:p14="http://schemas.microsoft.com/office/powerpoint/2010/main" val="1481684849"/>
               </p:ext>
             </p:extLst>
           </p:nvPr>
         </p:nvGraphicFramePr>
         <p:xfrm>
           <a:off x="5173132" y="1007928"/>
-          <a:ext cx="3903137" cy="2754972"/>
+          <a:ext cx="3903137" cy="3082054"/>
         </p:xfrm>
         <a:graphic>
           <a:graphicData uri="http://schemas.openxmlformats.org/drawingml/2006/table">
@@ -29729,7 +29705,7 @@
                     <a:p>
                       <a:r>
                         <a:rPr kumimoji="1" lang="en-US" altLang="ja-JP" sz="1000" dirty="0" smtClean="0"/>
-                        <a:t>Edit</a:t>
+                        <a:t>Change password</a:t>
                       </a:r>
                       <a:endParaRPr kumimoji="1" lang="ja-JP" altLang="en-US" sz="1000" dirty="0"/>
                     </a:p>
@@ -29768,24 +29744,23 @@
                         <a:tabLst/>
                         <a:defRPr/>
                       </a:pPr>
+                      <a:endParaRPr kumimoji="1" lang="ja-JP" altLang="en-US" sz="1000" dirty="0"/>
+                    </a:p>
+                  </a:txBody>
+                  <a:tcPr/>
+                </a:tc>
+                <a:tc>
+                  <a:txBody>
+                    <a:bodyPr/>
+                    <a:lstStyle/>
+                    <a:p>
                       <a:r>
-                        <a:rPr kumimoji="1" lang="en-US" altLang="ja-JP" sz="1000" dirty="0"/>
-                        <a:t>Click =&gt; </a:t>
+                        <a:rPr kumimoji="1" lang="en-US" altLang="ja-JP" sz="1000" dirty="0" smtClean="0">
+                          <a:latin typeface="Calibri"/>
+                          <a:cs typeface="Calibri"/>
+                        </a:rPr>
+                        <a:t>S-3-7</a:t>
                       </a:r>
-                      <a:r>
-                        <a:rPr kumimoji="1" lang="en-US" altLang="ja-JP" sz="1000" dirty="0" smtClean="0"/>
-                        <a:t>Edit profile</a:t>
-                      </a:r>
-                      <a:endParaRPr kumimoji="1" lang="ja-JP" altLang="en-US" sz="1000" dirty="0"/>
-                    </a:p>
-                  </a:txBody>
-                  <a:tcPr/>
-                </a:tc>
-                <a:tc>
-                  <a:txBody>
-                    <a:bodyPr/>
-                    <a:lstStyle/>
-                    <a:p>
                       <a:endParaRPr kumimoji="1" lang="ja-JP" altLang="en-US" sz="1000" dirty="0">
                         <a:latin typeface="Calibri"/>
                         <a:cs typeface="Calibri"/>
@@ -29817,7 +29792,7 @@
                     <a:p>
                       <a:r>
                         <a:rPr kumimoji="1" lang="en-US" altLang="ja-JP" sz="1000" dirty="0" smtClean="0"/>
-                        <a:t>Change password</a:t>
+                        <a:t>Cancel</a:t>
                       </a:r>
                       <a:endParaRPr kumimoji="1" lang="ja-JP" altLang="en-US" sz="1000" dirty="0"/>
                     </a:p>
@@ -29829,7 +29804,7 @@
                     <a:bodyPr/>
                     <a:lstStyle/>
                     <a:p>
-                      <a:endParaRPr kumimoji="1" lang="ja-JP" altLang="en-US" sz="1000"/>
+                      <a:endParaRPr kumimoji="1" lang="ja-JP" altLang="en-US" sz="1000" dirty="0"/>
                     </a:p>
                   </a:txBody>
                   <a:tcPr/>
@@ -29870,8 +29845,109 @@
                     <a:p>
                       <a:r>
                         <a:rPr kumimoji="1" lang="en-US" altLang="ja-JP" sz="1000" dirty="0" smtClean="0"/>
-                        <a:t>S-3-7</a:t>
+                        <a:t>S-3</a:t>
                       </a:r>
+                      <a:r>
+                        <a:rPr kumimoji="1" lang="en-US" altLang="ja-JP" sz="1000" dirty="0" smtClean="0"/>
+                        <a:t>-1</a:t>
+                      </a:r>
+                      <a:endParaRPr kumimoji="1" lang="ja-JP" altLang="en-US" sz="1000" dirty="0"/>
+                    </a:p>
+                  </a:txBody>
+                  <a:tcPr anchor="ctr" anchorCtr="1"/>
+                </a:tc>
+              </a:tr>
+              <a:tr h="327082">
+                <a:tc>
+                  <a:txBody>
+                    <a:bodyPr/>
+                    <a:lstStyle/>
+                    <a:p>
+                      <a:r>
+                        <a:rPr kumimoji="1" lang="en-US" altLang="ja-JP" sz="1000" dirty="0" smtClean="0"/>
+                        <a:t>8</a:t>
+                      </a:r>
+                      <a:endParaRPr kumimoji="1" lang="ja-JP" altLang="en-US" sz="1000" dirty="0"/>
+                    </a:p>
+                  </a:txBody>
+                  <a:tcPr anchor="ctr" anchorCtr="1"/>
+                </a:tc>
+                <a:tc>
+                  <a:txBody>
+                    <a:bodyPr/>
+                    <a:lstStyle/>
+                    <a:p>
+                      <a:r>
+                        <a:rPr kumimoji="1" lang="en-US" altLang="ja-JP" sz="1000" dirty="0" smtClean="0"/>
+                        <a:t>Edit</a:t>
+                      </a:r>
+                      <a:endParaRPr kumimoji="1" lang="ja-JP" altLang="en-US" sz="1000" dirty="0"/>
+                    </a:p>
+                  </a:txBody>
+                  <a:tcPr anchor="ctr"/>
+                </a:tc>
+                <a:tc>
+                  <a:txBody>
+                    <a:bodyPr/>
+                    <a:lstStyle/>
+                    <a:p>
+                      <a:endParaRPr kumimoji="1" lang="ja-JP" altLang="en-US" sz="1000" dirty="0"/>
+                    </a:p>
+                  </a:txBody>
+                  <a:tcPr/>
+                </a:tc>
+                <a:tc>
+                  <a:txBody>
+                    <a:bodyPr/>
+                    <a:lstStyle/>
+                    <a:p>
+                      <a:pPr marL="0" marR="0" indent="0" algn="l" defTabSz="457200" rtl="0" eaLnBrk="1" fontAlgn="auto" latinLnBrk="0" hangingPunct="1">
+                        <a:lnSpc>
+                          <a:spcPct val="100000"/>
+                        </a:lnSpc>
+                        <a:spcBef>
+                          <a:spcPts val="0"/>
+                        </a:spcBef>
+                        <a:spcAft>
+                          <a:spcPts val="0"/>
+                        </a:spcAft>
+                        <a:buClrTx/>
+                        <a:buSzTx/>
+                        <a:buFontTx/>
+                        <a:buNone/>
+                        <a:tabLst/>
+                        <a:defRPr/>
+                      </a:pPr>
+                      <a:r>
+                        <a:rPr kumimoji="1" lang="en-US" altLang="ja-JP" sz="1000" dirty="0" smtClean="0">
+                          <a:latin typeface="Calibri" panose="020F0502020204030204" pitchFamily="34" charset="0"/>
+                        </a:rPr>
+                        <a:t>Click =&gt;</a:t>
+                      </a:r>
+                      <a:r>
+                        <a:rPr kumimoji="1" lang="en-US" altLang="ja-JP" sz="1000" baseline="0" dirty="0" smtClean="0">
+                          <a:latin typeface="Calibri" panose="020F0502020204030204" pitchFamily="34" charset="0"/>
+                        </a:rPr>
+                        <a:t> </a:t>
+                      </a:r>
+                      <a:r>
+                        <a:rPr kumimoji="1" lang="en-US" altLang="ja-JP" sz="1000" baseline="0" smtClean="0">
+                          <a:latin typeface="Calibri" panose="020F0502020204030204" pitchFamily="34" charset="0"/>
+                        </a:rPr>
+                        <a:t>Edit profile</a:t>
+                      </a:r>
+                      <a:endParaRPr kumimoji="1" lang="ja-JP" altLang="en-US" sz="1000" dirty="0">
+                        <a:latin typeface="Calibri" panose="020F0502020204030204" pitchFamily="34" charset="0"/>
+                      </a:endParaRPr>
+                    </a:p>
+                  </a:txBody>
+                  <a:tcPr/>
+                </a:tc>
+                <a:tc>
+                  <a:txBody>
+                    <a:bodyPr/>
+                    <a:lstStyle/>
+                    <a:p>
                       <a:endParaRPr kumimoji="1" lang="ja-JP" altLang="en-US" sz="1000" dirty="0"/>
                     </a:p>
                   </a:txBody>
@@ -30373,8 +30449,8 @@
           <a:p>
             <a:pPr algn="ctr"/>
             <a:r>
-              <a:rPr lang="en-US" sz="1200" dirty="0" smtClean="0"/>
-              <a:t>Edit</a:t>
+              <a:rPr lang="en-US" sz="1200" dirty="0"/>
+              <a:t>Change password</a:t>
             </a:r>
             <a:endParaRPr lang="en-US" sz="1200" dirty="0"/>
           </a:p>
@@ -30511,7 +30587,7 @@
         <p:spPr>
           <a:xfrm>
             <a:off x="1826105" y="3990322"/>
-            <a:ext cx="1516891" cy="245533"/>
+            <a:ext cx="668736" cy="245533"/>
           </a:xfrm>
           <a:prstGeom prst="roundRect">
             <a:avLst/>
@@ -30538,7 +30614,7 @@
             <a:pPr algn="ctr"/>
             <a:r>
               <a:rPr lang="en-US" sz="1200" dirty="0" smtClean="0"/>
-              <a:t>Change password</a:t>
+              <a:t>Cancel</a:t>
             </a:r>
             <a:endParaRPr lang="en-US" sz="1200" dirty="0"/>
           </a:p>
@@ -30722,7 +30798,7 @@
         </p:nvSpPr>
         <p:spPr>
           <a:xfrm>
-            <a:off x="3277637" y="3989634"/>
+            <a:off x="2413784" y="4148772"/>
             <a:ext cx="327433" cy="246221"/>
           </a:xfrm>
           <a:prstGeom prst="rect">
@@ -30781,6 +30857,86 @@
                 </a:solidFill>
               </a:rPr>
               <a:t>(2)</a:t>
+            </a:r>
+            <a:endParaRPr kumimoji="1" lang="ja-JP" altLang="en-US" sz="1000" dirty="0">
+              <a:solidFill>
+                <a:srgbClr val="FF0000"/>
+              </a:solidFill>
+            </a:endParaRPr>
+          </a:p>
+        </p:txBody>
+      </p:sp>
+      <p:sp>
+        <p:nvSpPr>
+          <p:cNvPr id="28" name="Rounded Rectangle 27"/>
+          <p:cNvSpPr/>
+          <p:nvPr/>
+        </p:nvSpPr>
+        <p:spPr>
+          <a:xfrm>
+            <a:off x="2674260" y="3986687"/>
+            <a:ext cx="668736" cy="245533"/>
+          </a:xfrm>
+          <a:prstGeom prst="roundRect">
+            <a:avLst/>
+          </a:prstGeom>
+        </p:spPr>
+        <p:style>
+          <a:lnRef idx="1">
+            <a:schemeClr val="accent1"/>
+          </a:lnRef>
+          <a:fillRef idx="3">
+            <a:schemeClr val="accent1"/>
+          </a:fillRef>
+          <a:effectRef idx="2">
+            <a:schemeClr val="accent1"/>
+          </a:effectRef>
+          <a:fontRef idx="minor">
+            <a:schemeClr val="lt1"/>
+          </a:fontRef>
+        </p:style>
+        <p:txBody>
+          <a:bodyPr rtlCol="0" anchor="ctr" anchorCtr="1"/>
+          <a:lstStyle/>
+          <a:p>
+            <a:pPr algn="ctr"/>
+            <a:r>
+              <a:rPr lang="en-US" sz="1200" dirty="0" smtClean="0"/>
+              <a:t>Edit</a:t>
+            </a:r>
+            <a:endParaRPr lang="en-US" sz="1200" dirty="0"/>
+          </a:p>
+        </p:txBody>
+      </p:sp>
+      <p:sp>
+        <p:nvSpPr>
+          <p:cNvPr id="29" name="TextBox 28"/>
+          <p:cNvSpPr txBox="1"/>
+          <p:nvPr/>
+        </p:nvSpPr>
+        <p:spPr>
+          <a:xfrm>
+            <a:off x="3270017" y="4139765"/>
+            <a:ext cx="327433" cy="246221"/>
+          </a:xfrm>
+          <a:prstGeom prst="rect">
+            <a:avLst/>
+          </a:prstGeom>
+          <a:noFill/>
+        </p:spPr>
+        <p:txBody>
+          <a:bodyPr wrap="none" rtlCol="0">
+            <a:spAutoFit/>
+          </a:bodyPr>
+          <a:lstStyle/>
+          <a:p>
+            <a:r>
+              <a:rPr kumimoji="1" lang="en-US" altLang="ja-JP" sz="1000" dirty="0" smtClean="0">
+                <a:solidFill>
+                  <a:srgbClr val="FF0000"/>
+                </a:solidFill>
+              </a:rPr>
+              <a:t>(8)</a:t>
             </a:r>
             <a:endParaRPr kumimoji="1" lang="ja-JP" altLang="en-US" sz="1000" dirty="0">
               <a:solidFill>
@@ -31076,7 +31232,7 @@
           <p:nvPr>
             <p:extLst>
               <p:ext uri="{D42A27DB-BD31-4B8C-83A1-F6EECF244321}">
-                <p14:modId xmlns:p14="http://schemas.microsoft.com/office/powerpoint/2010/main" val="448475964"/>
+                <p14:modId xmlns:p14="http://schemas.microsoft.com/office/powerpoint/2010/main" val="1908805947"/>
               </p:ext>
             </p:extLst>
           </p:nvPr>
@@ -31251,14 +31407,21 @@
                           <a:latin typeface="Calibri"/>
                           <a:cs typeface="Calibri"/>
                         </a:rPr>
-                        <a:t>-3-</a:t>
+                        <a:t>-3</a:t>
+                      </a:r>
+                      <a:r>
+                        <a:rPr kumimoji="1" lang="vi-VN" altLang="ja-JP" sz="1000" dirty="0" smtClean="0">
+                          <a:latin typeface="Calibri"/>
+                          <a:cs typeface="Calibri"/>
+                        </a:rPr>
+                        <a:t>-</a:t>
                       </a:r>
                       <a:r>
                         <a:rPr kumimoji="1" lang="vi-VN" altLang="ja-JP" sz="1000" dirty="0">
                           <a:latin typeface="Calibri"/>
                           <a:cs typeface="Calibri"/>
                         </a:rPr>
-                        <a:t>1</a:t>
+                        <a:t>3</a:t>
                       </a:r>
                       <a:endParaRPr kumimoji="1" lang="ja-JP" altLang="en-US" sz="1000" dirty="0">
                         <a:latin typeface="Calibri"/>
@@ -32970,11 +33133,7 @@
             </a:r>
             <a:r>
               <a:rPr kumimoji="1" lang="en-US" altLang="ja-JP" dirty="0" smtClean="0"/>
-              <a:t>-3-5 </a:t>
-            </a:r>
-            <a:r>
-              <a:rPr kumimoji="1" lang="en-US" altLang="ja-JP" dirty="0" smtClean="0"/>
-              <a:t>Edit post</a:t>
+              <a:t>-3-5 Edit post</a:t>
             </a:r>
             <a:endParaRPr kumimoji="1" lang="ja-JP" altLang="en-US" dirty="0"/>
           </a:p>
@@ -33020,14 +33179,6 @@
           <a:lstStyle/>
           <a:p>
             <a:pPr algn="ctr"/>
-            <a:r>
-              <a:rPr kumimoji="1" lang="en-US" altLang="ja-JP" dirty="0" smtClean="0">
-                <a:solidFill>
-                  <a:srgbClr val="FF0000"/>
-                </a:solidFill>
-              </a:rPr>
-              <a:t/>
-            </a:r>
             <a:endParaRPr kumimoji="1" lang="ja-JP" altLang="en-US" dirty="0">
               <a:solidFill>
                 <a:srgbClr val="FF0000"/>

--- a/doc/frontend/wireframe/TRN-MiniBlog_WireframeDesign_TRILE.pptx
+++ b/doc/frontend/wireframe/TRN-MiniBlog_WireframeDesign_TRILE.pptx
@@ -5,7 +5,7 @@
     <p:sldMasterId id="2147483720" r:id="rId1"/>
   </p:sldMasterIdLst>
   <p:notesMasterIdLst>
-    <p:notesMasterId r:id="rId16"/>
+    <p:notesMasterId r:id="rId17"/>
   </p:notesMasterIdLst>
   <p:sldIdLst>
     <p:sldId id="257" r:id="rId2"/>
@@ -22,6 +22,7 @@
     <p:sldId id="267" r:id="rId13"/>
     <p:sldId id="268" r:id="rId14"/>
     <p:sldId id="269" r:id="rId15"/>
+    <p:sldId id="270" r:id="rId16"/>
   </p:sldIdLst>
   <p:sldSz cx="9144000" cy="6858000" type="screen4x3"/>
   <p:notesSz cx="6858000" cy="9144000"/>
@@ -139,12 +140,13 @@
             <p14:sldId id="267"/>
             <p14:sldId id="268"/>
             <p14:sldId id="269"/>
+            <p14:sldId id="270"/>
           </p14:sldIdLst>
         </p14:section>
       </p14:sectionLst>
     </p:ext>
     <p:ext uri="{EFAFB233-063F-42B5-8137-9DF3F51BA10A}">
-      <p15:sldGuideLst xmlns:p15="http://schemas.microsoft.com/office/powerpoint/2012/main" xmlns="">
+      <p15:sldGuideLst xmlns="" xmlns:p15="http://schemas.microsoft.com/office/powerpoint/2012/main">
         <p15:guide id="1" orient="horz" pos="2160">
           <p15:clr>
             <a:srgbClr val="A4A3A4"/>
@@ -7780,10 +7782,6 @@
                         <a:rPr kumimoji="1" lang="en-US" altLang="ja-JP" sz="1000" dirty="0" smtClean="0"/>
                         <a:t>Input new comment</a:t>
                       </a:r>
-                      <a:r>
-                        <a:rPr kumimoji="1" lang="en-US" altLang="ja-JP" sz="1000" dirty="0" smtClean="0"/>
-                        <a:t/>
-                      </a:r>
                       <a:br>
                         <a:rPr kumimoji="1" lang="en-US" altLang="ja-JP" sz="1000" dirty="0" smtClean="0"/>
                       </a:br>
@@ -7793,11 +7791,7 @@
                       </a:r>
                       <a:r>
                         <a:rPr kumimoji="1" lang="en-US" altLang="ja-JP" sz="1000" baseline="0" dirty="0" smtClean="0"/>
-                        <a:t> </a:t>
-                      </a:r>
-                      <a:r>
-                        <a:rPr kumimoji="1" lang="en-US" altLang="ja-JP" sz="1000" baseline="0" dirty="0" smtClean="0"/>
-                        <a:t>to send edit content</a:t>
+                        <a:t> to send edit content</a:t>
                       </a:r>
                       <a:endParaRPr kumimoji="1" lang="ja-JP" altLang="en-US" sz="1000" dirty="0"/>
                     </a:p>
@@ -15449,7 +15443,7 @@
         <p:spPr>
           <a:xfrm>
             <a:off x="193525" y="0"/>
-            <a:ext cx="1545315" cy="369332"/>
+            <a:ext cx="1609898" cy="369332"/>
           </a:xfrm>
           <a:prstGeom prst="rect">
             <a:avLst/>
@@ -15468,7 +15462,15 @@
             </a:r>
             <a:r>
               <a:rPr kumimoji="1" lang="en-US" altLang="ja-JP" dirty="0" smtClean="0"/>
-              <a:t>-3-5 Edit post</a:t>
+              <a:t>-7-1 </a:t>
+            </a:r>
+            <a:r>
+              <a:rPr kumimoji="1" lang="en-US" altLang="ja-JP" dirty="0" smtClean="0"/>
+              <a:t>New </a:t>
+            </a:r>
+            <a:r>
+              <a:rPr kumimoji="1" lang="en-US" altLang="ja-JP" dirty="0" smtClean="0"/>
+              <a:t>post</a:t>
             </a:r>
             <a:endParaRPr kumimoji="1" lang="ja-JP" altLang="en-US" dirty="0"/>
           </a:p>
@@ -15659,14 +15661,14 @@
           <p:nvPr>
             <p:extLst>
               <p:ext uri="{D42A27DB-BD31-4B8C-83A1-F6EECF244321}">
-                <p14:modId xmlns:p14="http://schemas.microsoft.com/office/powerpoint/2010/main" val="1455092578"/>
+                <p14:modId xmlns:p14="http://schemas.microsoft.com/office/powerpoint/2010/main" val="2279980796"/>
               </p:ext>
             </p:extLst>
           </p:nvPr>
         </p:nvGraphicFramePr>
         <p:xfrm>
           <a:off x="5156198" y="1009450"/>
-          <a:ext cx="3903137" cy="2031650"/>
+          <a:ext cx="3903137" cy="2358732"/>
         </p:xfrm>
         <a:graphic>
           <a:graphicData uri="http://schemas.openxmlformats.org/drawingml/2006/table">
@@ -16110,6 +16112,80 @@
                     <a:p>
                       <a:r>
                         <a:rPr kumimoji="1" lang="en-US" altLang="ja-JP" sz="1000" dirty="0" smtClean="0"/>
+                        <a:t>Preview</a:t>
+                      </a:r>
+                      <a:endParaRPr kumimoji="1" lang="ja-JP" altLang="en-US" sz="1000" dirty="0"/>
+                    </a:p>
+                  </a:txBody>
+                  <a:tcPr anchor="ctr"/>
+                </a:tc>
+                <a:tc>
+                  <a:txBody>
+                    <a:bodyPr/>
+                    <a:lstStyle/>
+                    <a:p>
+                      <a:endParaRPr kumimoji="1" lang="ja-JP" altLang="en-US" sz="1000" dirty="0"/>
+                    </a:p>
+                  </a:txBody>
+                  <a:tcPr/>
+                </a:tc>
+                <a:tc>
+                  <a:txBody>
+                    <a:bodyPr/>
+                    <a:lstStyle/>
+                    <a:p>
+                      <a:r>
+                        <a:rPr kumimoji="1" lang="en-US" altLang="ja-JP" sz="1000" dirty="0" smtClean="0"/>
+                        <a:t>Preview post</a:t>
+                      </a:r>
+                      <a:endParaRPr kumimoji="1" lang="ja-JP" altLang="en-US" sz="1000" dirty="0"/>
+                    </a:p>
+                  </a:txBody>
+                  <a:tcPr/>
+                </a:tc>
+                <a:tc>
+                  <a:txBody>
+                    <a:bodyPr/>
+                    <a:lstStyle/>
+                    <a:p>
+                      <a:r>
+                        <a:rPr kumimoji="1" lang="en-US" altLang="ja-JP" sz="1000" dirty="0" smtClean="0">
+                          <a:latin typeface="Calibri"/>
+                          <a:cs typeface="Calibri"/>
+                        </a:rPr>
+                        <a:t>S-7-2</a:t>
+                      </a:r>
+                      <a:endParaRPr kumimoji="1" lang="ja-JP" altLang="en-US" sz="1000" dirty="0">
+                        <a:latin typeface="Calibri"/>
+                        <a:cs typeface="Calibri"/>
+                      </a:endParaRPr>
+                    </a:p>
+                  </a:txBody>
+                  <a:tcPr anchor="ctr" anchorCtr="1"/>
+                </a:tc>
+              </a:tr>
+              <a:tr h="327082">
+                <a:tc>
+                  <a:txBody>
+                    <a:bodyPr/>
+                    <a:lstStyle/>
+                    <a:p>
+                      <a:r>
+                        <a:rPr kumimoji="1" lang="en-US" altLang="ja-JP" sz="1000" dirty="0" smtClean="0"/>
+                        <a:t>5</a:t>
+                      </a:r>
+                      <a:endParaRPr kumimoji="1" lang="ja-JP" altLang="en-US" sz="1000" dirty="0"/>
+                    </a:p>
+                  </a:txBody>
+                  <a:tcPr anchor="ctr" anchorCtr="1"/>
+                </a:tc>
+                <a:tc>
+                  <a:txBody>
+                    <a:bodyPr/>
+                    <a:lstStyle/>
+                    <a:p>
+                      <a:r>
+                        <a:rPr kumimoji="1" lang="en-US" altLang="ja-JP" sz="1000" dirty="0" smtClean="0"/>
                         <a:t>Post</a:t>
                       </a:r>
                       <a:endParaRPr kumimoji="1" lang="ja-JP" altLang="en-US" sz="1000" dirty="0"/>
@@ -16920,8 +16996,8 @@
         </p:nvSpPr>
         <p:spPr>
           <a:xfrm>
-            <a:off x="1257824" y="4175778"/>
-            <a:ext cx="1516891" cy="245533"/>
+            <a:off x="2116578" y="4175778"/>
+            <a:ext cx="1054445" cy="245533"/>
           </a:xfrm>
           <a:prstGeom prst="roundRect">
             <a:avLst/>
@@ -17347,7 +17423,7 @@
         </p:nvSpPr>
         <p:spPr>
           <a:xfrm>
-            <a:off x="2692060" y="4262172"/>
+            <a:off x="3088368" y="4262172"/>
             <a:ext cx="327433" cy="246221"/>
           </a:xfrm>
           <a:prstGeom prst="rect">
@@ -17367,7 +17443,7 @@
                   <a:srgbClr val="FF0000"/>
                 </a:solidFill>
               </a:rPr>
-              <a:t>(5)</a:t>
+              <a:t>(6)</a:t>
             </a:r>
             <a:endParaRPr kumimoji="1" lang="ja-JP" altLang="en-US" sz="1000" dirty="0">
               <a:solidFill>
@@ -17377,10 +17453,1788 @@
           </a:p>
         </p:txBody>
       </p:sp>
+      <p:sp>
+        <p:nvSpPr>
+          <p:cNvPr id="31" name="Rounded Rectangle 30"/>
+          <p:cNvSpPr/>
+          <p:nvPr/>
+        </p:nvSpPr>
+        <p:spPr>
+          <a:xfrm>
+            <a:off x="765276" y="4175778"/>
+            <a:ext cx="985545" cy="245533"/>
+          </a:xfrm>
+          <a:prstGeom prst="roundRect">
+            <a:avLst/>
+          </a:prstGeom>
+        </p:spPr>
+        <p:style>
+          <a:lnRef idx="1">
+            <a:schemeClr val="accent1"/>
+          </a:lnRef>
+          <a:fillRef idx="3">
+            <a:schemeClr val="accent1"/>
+          </a:fillRef>
+          <a:effectRef idx="2">
+            <a:schemeClr val="accent1"/>
+          </a:effectRef>
+          <a:fontRef idx="minor">
+            <a:schemeClr val="lt1"/>
+          </a:fontRef>
+        </p:style>
+        <p:txBody>
+          <a:bodyPr rtlCol="0" anchor="ctr" anchorCtr="1"/>
+          <a:lstStyle/>
+          <a:p>
+            <a:pPr algn="ctr"/>
+            <a:r>
+              <a:rPr lang="en-US" sz="1200" dirty="0" smtClean="0"/>
+              <a:t>Preview</a:t>
+            </a:r>
+            <a:endParaRPr lang="en-US" sz="1200" dirty="0"/>
+          </a:p>
+        </p:txBody>
+      </p:sp>
+      <p:sp>
+        <p:nvSpPr>
+          <p:cNvPr id="32" name="TextBox 31"/>
+          <p:cNvSpPr txBox="1"/>
+          <p:nvPr/>
+        </p:nvSpPr>
+        <p:spPr>
+          <a:xfrm>
+            <a:off x="1587104" y="4298200"/>
+            <a:ext cx="327433" cy="246221"/>
+          </a:xfrm>
+          <a:prstGeom prst="rect">
+            <a:avLst/>
+          </a:prstGeom>
+          <a:noFill/>
+        </p:spPr>
+        <p:txBody>
+          <a:bodyPr wrap="none" rtlCol="0">
+            <a:spAutoFit/>
+          </a:bodyPr>
+          <a:lstStyle/>
+          <a:p>
+            <a:r>
+              <a:rPr kumimoji="1" lang="en-US" altLang="ja-JP" sz="1000" dirty="0" smtClean="0">
+                <a:solidFill>
+                  <a:srgbClr val="FF0000"/>
+                </a:solidFill>
+              </a:rPr>
+              <a:t>(5)</a:t>
+            </a:r>
+            <a:endParaRPr kumimoji="1" lang="ja-JP" altLang="en-US" sz="1000" dirty="0">
+              <a:solidFill>
+                <a:srgbClr val="FF0000"/>
+              </a:solidFill>
+            </a:endParaRPr>
+          </a:p>
+        </p:txBody>
+      </p:sp>
     </p:spTree>
     <p:extLst>
       <p:ext uri="{BB962C8B-B14F-4D97-AF65-F5344CB8AC3E}">
         <p14:creationId xmlns:p14="http://schemas.microsoft.com/office/powerpoint/2010/main" val="2864390200"/>
+      </p:ext>
+    </p:extLst>
+  </p:cSld>
+  <p:clrMapOvr>
+    <a:masterClrMapping/>
+  </p:clrMapOvr>
+  <p:timing>
+    <p:tnLst>
+      <p:par>
+        <p:cTn xmlns:p14="http://schemas.microsoft.com/office/powerpoint/2010/main" id="1" dur="indefinite" restart="never" nodeType="tmRoot"/>
+      </p:par>
+    </p:tnLst>
+  </p:timing>
+</p:sld>
+</file>
+
+<file path=ppt/slides/slide15.xml><?xml version="1.0" encoding="utf-8"?>
+<p:sld xmlns:a="http://schemas.openxmlformats.org/drawingml/2006/main" xmlns:r="http://schemas.openxmlformats.org/officeDocument/2006/relationships" xmlns:p="http://schemas.openxmlformats.org/presentationml/2006/main">
+  <p:cSld>
+    <p:spTree>
+      <p:nvGrpSpPr>
+        <p:cNvPr id="1" name=""/>
+        <p:cNvGrpSpPr/>
+        <p:nvPr/>
+      </p:nvGrpSpPr>
+      <p:grpSpPr>
+        <a:xfrm>
+          <a:off x="0" y="0"/>
+          <a:ext cx="0" cy="0"/>
+          <a:chOff x="0" y="0"/>
+          <a:chExt cx="0" cy="0"/>
+        </a:xfrm>
+      </p:grpSpPr>
+      <p:cxnSp>
+        <p:nvCxnSpPr>
+          <p:cNvPr id="65" name="Straight Connector 64"/>
+          <p:cNvCxnSpPr/>
+          <p:nvPr/>
+        </p:nvCxnSpPr>
+        <p:spPr>
+          <a:xfrm>
+            <a:off x="0" y="399143"/>
+            <a:ext cx="9144000" cy="0"/>
+          </a:xfrm>
+          <a:prstGeom prst="line">
+            <a:avLst/>
+          </a:prstGeom>
+        </p:spPr>
+        <p:style>
+          <a:lnRef idx="2">
+            <a:schemeClr val="accent1"/>
+          </a:lnRef>
+          <a:fillRef idx="0">
+            <a:schemeClr val="accent1"/>
+          </a:fillRef>
+          <a:effectRef idx="1">
+            <a:schemeClr val="accent1"/>
+          </a:effectRef>
+          <a:fontRef idx="minor">
+            <a:schemeClr val="tx1"/>
+          </a:fontRef>
+        </p:style>
+      </p:cxnSp>
+      <p:sp>
+        <p:nvSpPr>
+          <p:cNvPr id="66" name="TextBox 65"/>
+          <p:cNvSpPr txBox="1"/>
+          <p:nvPr/>
+        </p:nvSpPr>
+        <p:spPr>
+          <a:xfrm>
+            <a:off x="193525" y="0"/>
+            <a:ext cx="1932703" cy="369332"/>
+          </a:xfrm>
+          <a:prstGeom prst="rect">
+            <a:avLst/>
+          </a:prstGeom>
+          <a:noFill/>
+        </p:spPr>
+        <p:txBody>
+          <a:bodyPr wrap="none" rtlCol="0">
+            <a:spAutoFit/>
+          </a:bodyPr>
+          <a:lstStyle/>
+          <a:p>
+            <a:r>
+              <a:rPr kumimoji="1" lang="en-US" altLang="ja-JP" dirty="0"/>
+              <a:t>S</a:t>
+            </a:r>
+            <a:r>
+              <a:rPr kumimoji="1" lang="en-US" altLang="ja-JP" dirty="0" smtClean="0"/>
+              <a:t>-7-1 P</a:t>
+            </a:r>
+            <a:r>
+              <a:rPr kumimoji="1" lang="en-US" altLang="ja-JP" dirty="0" smtClean="0"/>
+              <a:t>review post</a:t>
+            </a:r>
+            <a:endParaRPr kumimoji="1" lang="ja-JP" altLang="en-US" dirty="0"/>
+          </a:p>
+        </p:txBody>
+      </p:sp>
+      <p:sp useBgFill="1">
+        <p:nvSpPr>
+          <p:cNvPr id="2" name="Rectangle 1"/>
+          <p:cNvSpPr/>
+          <p:nvPr/>
+        </p:nvSpPr>
+        <p:spPr>
+          <a:xfrm>
+            <a:off x="110067" y="973675"/>
+            <a:ext cx="4919133" cy="4258733"/>
+          </a:xfrm>
+          <a:prstGeom prst="rect">
+            <a:avLst/>
+          </a:prstGeom>
+          <a:ln>
+            <a:solidFill>
+              <a:schemeClr val="tx1"/>
+            </a:solidFill>
+          </a:ln>
+          <a:effectLst/>
+        </p:spPr>
+        <p:style>
+          <a:lnRef idx="1">
+            <a:schemeClr val="accent1"/>
+          </a:lnRef>
+          <a:fillRef idx="3">
+            <a:schemeClr val="accent1"/>
+          </a:fillRef>
+          <a:effectRef idx="2">
+            <a:schemeClr val="accent1"/>
+          </a:effectRef>
+          <a:fontRef idx="minor">
+            <a:schemeClr val="lt1"/>
+          </a:fontRef>
+        </p:style>
+        <p:txBody>
+          <a:bodyPr rtlCol="0" anchor="ctr"/>
+          <a:lstStyle/>
+          <a:p>
+            <a:pPr algn="ctr"/>
+            <a:endParaRPr kumimoji="1" lang="ja-JP" altLang="en-US" dirty="0">
+              <a:solidFill>
+                <a:srgbClr val="FF0000"/>
+              </a:solidFill>
+            </a:endParaRPr>
+          </a:p>
+        </p:txBody>
+      </p:sp>
+      <p:sp>
+        <p:nvSpPr>
+          <p:cNvPr id="9" name="Rectangle 8"/>
+          <p:cNvSpPr/>
+          <p:nvPr/>
+        </p:nvSpPr>
+        <p:spPr>
+          <a:xfrm>
+            <a:off x="119632" y="985772"/>
+            <a:ext cx="4909568" cy="292291"/>
+          </a:xfrm>
+          <a:prstGeom prst="rect">
+            <a:avLst/>
+          </a:prstGeom>
+        </p:spPr>
+        <p:style>
+          <a:lnRef idx="1">
+            <a:schemeClr val="accent1"/>
+          </a:lnRef>
+          <a:fillRef idx="3">
+            <a:schemeClr val="accent1"/>
+          </a:fillRef>
+          <a:effectRef idx="2">
+            <a:schemeClr val="accent1"/>
+          </a:effectRef>
+          <a:fontRef idx="minor">
+            <a:schemeClr val="lt1"/>
+          </a:fontRef>
+        </p:style>
+        <p:txBody>
+          <a:bodyPr rtlCol="0" anchor="ctr"/>
+          <a:lstStyle/>
+          <a:p>
+            <a:pPr algn="r"/>
+            <a:r>
+              <a:rPr kumimoji="1" lang="en-US" altLang="ja-JP" sz="1000" dirty="0" smtClean="0"/>
+              <a:t>Hi Tri!</a:t>
+            </a:r>
+            <a:endParaRPr kumimoji="1" lang="ja-JP" altLang="en-US" sz="1000" dirty="0">
+              <a:solidFill>
+                <a:schemeClr val="bg1"/>
+              </a:solidFill>
+            </a:endParaRPr>
+          </a:p>
+        </p:txBody>
+      </p:sp>
+      <p:cxnSp>
+        <p:nvCxnSpPr>
+          <p:cNvPr id="13" name="Straight Connector 12"/>
+          <p:cNvCxnSpPr/>
+          <p:nvPr/>
+        </p:nvCxnSpPr>
+        <p:spPr>
+          <a:xfrm>
+            <a:off x="811950" y="1659068"/>
+            <a:ext cx="3670791" cy="0"/>
+          </a:xfrm>
+          <a:prstGeom prst="line">
+            <a:avLst/>
+          </a:prstGeom>
+          <a:ln w="3175" cmpd="sng">
+            <a:solidFill>
+              <a:schemeClr val="bg1">
+                <a:lumMod val="75000"/>
+              </a:schemeClr>
+            </a:solidFill>
+          </a:ln>
+          <a:effectLst/>
+        </p:spPr>
+        <p:style>
+          <a:lnRef idx="2">
+            <a:schemeClr val="accent1"/>
+          </a:lnRef>
+          <a:fillRef idx="0">
+            <a:schemeClr val="accent1"/>
+          </a:fillRef>
+          <a:effectRef idx="1">
+            <a:schemeClr val="accent1"/>
+          </a:effectRef>
+          <a:fontRef idx="minor">
+            <a:schemeClr val="tx1"/>
+          </a:fontRef>
+        </p:style>
+      </p:cxnSp>
+      <p:sp>
+        <p:nvSpPr>
+          <p:cNvPr id="14" name="TextBox 13"/>
+          <p:cNvSpPr txBox="1"/>
+          <p:nvPr/>
+        </p:nvSpPr>
+        <p:spPr>
+          <a:xfrm>
+            <a:off x="384739" y="1363206"/>
+            <a:ext cx="762592" cy="253916"/>
+          </a:xfrm>
+          <a:prstGeom prst="rect">
+            <a:avLst/>
+          </a:prstGeom>
+          <a:noFill/>
+        </p:spPr>
+        <p:txBody>
+          <a:bodyPr wrap="none" rtlCol="0">
+            <a:spAutoFit/>
+          </a:bodyPr>
+          <a:lstStyle/>
+          <a:p>
+            <a:r>
+              <a:rPr kumimoji="1" lang="en-US" altLang="ja-JP" sz="1050" dirty="0" smtClean="0">
+                <a:solidFill>
+                  <a:schemeClr val="tx2">
+                    <a:lumMod val="20000"/>
+                    <a:lumOff val="80000"/>
+                  </a:schemeClr>
+                </a:solidFill>
+              </a:rPr>
+              <a:t>Post detail</a:t>
+            </a:r>
+            <a:endParaRPr kumimoji="1" lang="ja-JP" altLang="en-US" sz="1050" dirty="0">
+              <a:solidFill>
+                <a:schemeClr val="tx2">
+                  <a:lumMod val="20000"/>
+                  <a:lumOff val="80000"/>
+                </a:schemeClr>
+              </a:solidFill>
+            </a:endParaRPr>
+          </a:p>
+        </p:txBody>
+      </p:sp>
+      <p:graphicFrame>
+        <p:nvGraphicFramePr>
+          <p:cNvPr id="25" name="Table 24"/>
+          <p:cNvGraphicFramePr>
+            <a:graphicFrameLocks noGrp="1"/>
+          </p:cNvGraphicFramePr>
+          <p:nvPr>
+            <p:extLst>
+              <p:ext uri="{D42A27DB-BD31-4B8C-83A1-F6EECF244321}">
+                <p14:modId xmlns:p14="http://schemas.microsoft.com/office/powerpoint/2010/main" val="4275155293"/>
+              </p:ext>
+            </p:extLst>
+          </p:nvPr>
+        </p:nvGraphicFramePr>
+        <p:xfrm>
+          <a:off x="5156198" y="1009450"/>
+          <a:ext cx="3903137" cy="981246"/>
+        </p:xfrm>
+        <a:graphic>
+          <a:graphicData uri="http://schemas.openxmlformats.org/drawingml/2006/table">
+            <a:tbl>
+              <a:tblPr firstRow="1" bandRow="1">
+                <a:tableStyleId>{5202B0CA-FC54-4496-8BCA-5EF66A818D29}</a:tableStyleId>
+              </a:tblPr>
+              <a:tblGrid>
+                <a:gridCol w="355505"/>
+                <a:gridCol w="1041496"/>
+                <a:gridCol w="676771"/>
+                <a:gridCol w="1370172"/>
+                <a:gridCol w="459193"/>
+              </a:tblGrid>
+              <a:tr h="327082">
+                <a:tc>
+                  <a:txBody>
+                    <a:bodyPr/>
+                    <a:lstStyle/>
+                    <a:p>
+                      <a:r>
+                        <a:rPr kumimoji="1" lang="en-US" altLang="ja-JP" sz="1000"/>
+                        <a:t>No</a:t>
+                      </a:r>
+                      <a:endParaRPr kumimoji="1" lang="ja-JP" altLang="en-US" sz="1000"/>
+                    </a:p>
+                  </a:txBody>
+                  <a:tcPr/>
+                </a:tc>
+                <a:tc>
+                  <a:txBody>
+                    <a:bodyPr/>
+                    <a:lstStyle/>
+                    <a:p>
+                      <a:r>
+                        <a:rPr kumimoji="1" lang="en-US" altLang="ja-JP" sz="1000" dirty="0"/>
+                        <a:t>Content</a:t>
+                      </a:r>
+                      <a:endParaRPr kumimoji="1" lang="ja-JP" altLang="en-US" sz="1000" dirty="0"/>
+                    </a:p>
+                  </a:txBody>
+                  <a:tcPr/>
+                </a:tc>
+                <a:tc>
+                  <a:txBody>
+                    <a:bodyPr/>
+                    <a:lstStyle/>
+                    <a:p>
+                      <a:r>
+                        <a:rPr kumimoji="1" lang="en-US" altLang="ja-JP" sz="1000" dirty="0"/>
+                        <a:t>Function</a:t>
+                      </a:r>
+                      <a:endParaRPr kumimoji="1" lang="ja-JP" altLang="en-US" sz="1000" dirty="0"/>
+                    </a:p>
+                  </a:txBody>
+                  <a:tcPr/>
+                </a:tc>
+                <a:tc>
+                  <a:txBody>
+                    <a:bodyPr/>
+                    <a:lstStyle/>
+                    <a:p>
+                      <a:r>
+                        <a:rPr kumimoji="1" lang="en-US" altLang="ja-JP" sz="1000"/>
+                        <a:t>Detail/option</a:t>
+                      </a:r>
+                      <a:endParaRPr kumimoji="1" lang="ja-JP" altLang="en-US" sz="1000"/>
+                    </a:p>
+                  </a:txBody>
+                  <a:tcPr/>
+                </a:tc>
+                <a:tc>
+                  <a:txBody>
+                    <a:bodyPr/>
+                    <a:lstStyle/>
+                    <a:p>
+                      <a:r>
+                        <a:rPr kumimoji="1" lang="en-US" altLang="ja-JP" sz="1000"/>
+                        <a:t>Goto</a:t>
+                      </a:r>
+                      <a:endParaRPr kumimoji="1" lang="ja-JP" altLang="en-US" sz="1000"/>
+                    </a:p>
+                  </a:txBody>
+                  <a:tcPr/>
+                </a:tc>
+              </a:tr>
+              <a:tr h="327082">
+                <a:tc>
+                  <a:txBody>
+                    <a:bodyPr/>
+                    <a:lstStyle/>
+                    <a:p>
+                      <a:r>
+                        <a:rPr kumimoji="1" lang="en-US" altLang="ja-JP" sz="1000" dirty="0" smtClean="0"/>
+                        <a:t>1</a:t>
+                      </a:r>
+                      <a:endParaRPr kumimoji="1" lang="ja-JP" altLang="en-US" sz="1000" dirty="0"/>
+                    </a:p>
+                  </a:txBody>
+                  <a:tcPr anchor="ctr" anchorCtr="1"/>
+                </a:tc>
+                <a:tc>
+                  <a:txBody>
+                    <a:bodyPr/>
+                    <a:lstStyle/>
+                    <a:p>
+                      <a:r>
+                        <a:rPr kumimoji="1" lang="en-US" altLang="ja-JP" sz="1000" dirty="0" smtClean="0"/>
+                        <a:t>Back</a:t>
+                      </a:r>
+                      <a:endParaRPr kumimoji="1" lang="ja-JP" altLang="en-US" sz="1000" dirty="0"/>
+                    </a:p>
+                  </a:txBody>
+                  <a:tcPr anchor="ctr"/>
+                </a:tc>
+                <a:tc>
+                  <a:txBody>
+                    <a:bodyPr/>
+                    <a:lstStyle/>
+                    <a:p>
+                      <a:endParaRPr kumimoji="1" lang="ja-JP" altLang="en-US" sz="1000" dirty="0"/>
+                    </a:p>
+                  </a:txBody>
+                  <a:tcPr/>
+                </a:tc>
+                <a:tc>
+                  <a:txBody>
+                    <a:bodyPr/>
+                    <a:lstStyle/>
+                    <a:p>
+                      <a:pPr marL="0" marR="0" indent="0" algn="l" defTabSz="457200" rtl="0" eaLnBrk="1" fontAlgn="auto" latinLnBrk="0" hangingPunct="1">
+                        <a:lnSpc>
+                          <a:spcPct val="100000"/>
+                        </a:lnSpc>
+                        <a:spcBef>
+                          <a:spcPts val="0"/>
+                        </a:spcBef>
+                        <a:spcAft>
+                          <a:spcPts val="0"/>
+                        </a:spcAft>
+                        <a:buClrTx/>
+                        <a:buSzTx/>
+                        <a:buFontTx/>
+                        <a:buNone/>
+                        <a:tabLst/>
+                        <a:defRPr/>
+                      </a:pPr>
+                      <a:r>
+                        <a:rPr kumimoji="1" lang="en-US" altLang="ja-JP" sz="1000" dirty="0" smtClean="0"/>
+                        <a:t>Back to edit new post</a:t>
+                      </a:r>
+                      <a:endParaRPr kumimoji="1" lang="ja-JP" altLang="en-US" sz="1000" dirty="0"/>
+                    </a:p>
+                  </a:txBody>
+                  <a:tcPr anchor="ctr" anchorCtr="1"/>
+                </a:tc>
+                <a:tc>
+                  <a:txBody>
+                    <a:bodyPr/>
+                    <a:lstStyle/>
+                    <a:p>
+                      <a:r>
+                        <a:rPr kumimoji="1" lang="en-US" altLang="ja-JP" sz="1000" dirty="0" smtClean="0">
+                          <a:latin typeface="Calibri"/>
+                          <a:cs typeface="Calibri"/>
+                        </a:rPr>
+                        <a:t>S-7-1</a:t>
+                      </a:r>
+                      <a:endParaRPr kumimoji="1" lang="ja-JP" altLang="en-US" sz="1000" dirty="0">
+                        <a:latin typeface="Calibri"/>
+                        <a:cs typeface="Calibri"/>
+                      </a:endParaRPr>
+                    </a:p>
+                  </a:txBody>
+                  <a:tcPr anchor="ctr" anchorCtr="1"/>
+                </a:tc>
+              </a:tr>
+              <a:tr h="327082">
+                <a:tc>
+                  <a:txBody>
+                    <a:bodyPr/>
+                    <a:lstStyle/>
+                    <a:p>
+                      <a:r>
+                        <a:rPr kumimoji="1" lang="en-US" altLang="ja-JP" sz="1000" dirty="0" smtClean="0"/>
+                        <a:t>2</a:t>
+                      </a:r>
+                      <a:endParaRPr kumimoji="1" lang="ja-JP" altLang="en-US" sz="1000" dirty="0"/>
+                    </a:p>
+                  </a:txBody>
+                  <a:tcPr anchor="ctr" anchorCtr="1"/>
+                </a:tc>
+                <a:tc>
+                  <a:txBody>
+                    <a:bodyPr/>
+                    <a:lstStyle/>
+                    <a:p>
+                      <a:r>
+                        <a:rPr kumimoji="1" lang="en-US" altLang="ja-JP" sz="1000" dirty="0" smtClean="0"/>
+                        <a:t>Submit</a:t>
+                      </a:r>
+                      <a:endParaRPr kumimoji="1" lang="ja-JP" altLang="en-US" sz="1000" dirty="0"/>
+                    </a:p>
+                  </a:txBody>
+                  <a:tcPr anchor="ctr"/>
+                </a:tc>
+                <a:tc>
+                  <a:txBody>
+                    <a:bodyPr/>
+                    <a:lstStyle/>
+                    <a:p>
+                      <a:endParaRPr kumimoji="1" lang="ja-JP" altLang="en-US" sz="1000"/>
+                    </a:p>
+                  </a:txBody>
+                  <a:tcPr/>
+                </a:tc>
+                <a:tc>
+                  <a:txBody>
+                    <a:bodyPr/>
+                    <a:lstStyle/>
+                    <a:p>
+                      <a:pPr marL="0" marR="0" indent="0" algn="l" defTabSz="457200" rtl="0" eaLnBrk="1" fontAlgn="auto" latinLnBrk="0" hangingPunct="1">
+                        <a:lnSpc>
+                          <a:spcPct val="100000"/>
+                        </a:lnSpc>
+                        <a:spcBef>
+                          <a:spcPts val="0"/>
+                        </a:spcBef>
+                        <a:spcAft>
+                          <a:spcPts val="0"/>
+                        </a:spcAft>
+                        <a:buClrTx/>
+                        <a:buSzTx/>
+                        <a:buFontTx/>
+                        <a:buNone/>
+                        <a:tabLst/>
+                        <a:defRPr/>
+                      </a:pPr>
+                      <a:r>
+                        <a:rPr kumimoji="1" lang="en-US" altLang="ja-JP" sz="1000" dirty="0" smtClean="0"/>
+                        <a:t>Submit new post</a:t>
+                      </a:r>
+                      <a:endParaRPr kumimoji="1" lang="ja-JP" altLang="en-US" sz="1000" dirty="0" smtClean="0"/>
+                    </a:p>
+                  </a:txBody>
+                  <a:tcPr anchor="ctr" anchorCtr="1"/>
+                </a:tc>
+                <a:tc>
+                  <a:txBody>
+                    <a:bodyPr/>
+                    <a:lstStyle/>
+                    <a:p>
+                      <a:r>
+                        <a:rPr kumimoji="1" lang="en-US" altLang="ja-JP" sz="1000" dirty="0" smtClean="0">
+                          <a:latin typeface="Calibri"/>
+                          <a:cs typeface="Calibri"/>
+                        </a:rPr>
+                        <a:t>S-3-2</a:t>
+                      </a:r>
+                      <a:endParaRPr kumimoji="1" lang="ja-JP" altLang="en-US" sz="1000" dirty="0">
+                        <a:latin typeface="Calibri"/>
+                        <a:cs typeface="Calibri"/>
+                      </a:endParaRPr>
+                    </a:p>
+                  </a:txBody>
+                  <a:tcPr anchor="ctr" anchorCtr="1"/>
+                </a:tc>
+              </a:tr>
+            </a:tbl>
+          </a:graphicData>
+        </a:graphic>
+      </p:graphicFrame>
+      <p:sp>
+        <p:nvSpPr>
+          <p:cNvPr id="37" name="TextBox 36"/>
+          <p:cNvSpPr txBox="1"/>
+          <p:nvPr/>
+        </p:nvSpPr>
+        <p:spPr>
+          <a:xfrm>
+            <a:off x="1040842" y="1808248"/>
+            <a:ext cx="505830" cy="246221"/>
+          </a:xfrm>
+          <a:prstGeom prst="rect">
+            <a:avLst/>
+          </a:prstGeom>
+          <a:noFill/>
+        </p:spPr>
+        <p:txBody>
+          <a:bodyPr wrap="none" rtlCol="0">
+            <a:spAutoFit/>
+          </a:bodyPr>
+          <a:lstStyle/>
+          <a:p>
+            <a:r>
+              <a:rPr kumimoji="1" lang="en-US" altLang="ja-JP" sz="1000" dirty="0"/>
+              <a:t>Blog 1</a:t>
+            </a:r>
+            <a:endParaRPr kumimoji="1" lang="ja-JP" altLang="en-US" sz="1000" dirty="0"/>
+          </a:p>
+        </p:txBody>
+      </p:sp>
+      <p:sp>
+        <p:nvSpPr>
+          <p:cNvPr id="48" name="TextBox 47"/>
+          <p:cNvSpPr txBox="1"/>
+          <p:nvPr/>
+        </p:nvSpPr>
+        <p:spPr>
+          <a:xfrm>
+            <a:off x="508520" y="2305444"/>
+            <a:ext cx="3213594" cy="1477328"/>
+          </a:xfrm>
+          <a:prstGeom prst="rect">
+            <a:avLst/>
+          </a:prstGeom>
+          <a:noFill/>
+        </p:spPr>
+        <p:txBody>
+          <a:bodyPr wrap="square" rtlCol="0">
+            <a:spAutoFit/>
+          </a:bodyPr>
+          <a:lstStyle/>
+          <a:p>
+            <a:pPr algn="just"/>
+            <a:r>
+              <a:rPr lang="en-US" sz="1000" dirty="0" err="1"/>
+              <a:t>Lorem</a:t>
+            </a:r>
+            <a:r>
+              <a:rPr lang="en-US" sz="1000" dirty="0"/>
+              <a:t> </a:t>
+            </a:r>
+            <a:r>
+              <a:rPr lang="en-US" sz="1000" dirty="0" err="1"/>
+              <a:t>ipsum</a:t>
+            </a:r>
+            <a:r>
+              <a:rPr lang="en-US" sz="1000" dirty="0"/>
+              <a:t> dolor sit </a:t>
+            </a:r>
+            <a:r>
+              <a:rPr lang="en-US" sz="1000" dirty="0" err="1"/>
+              <a:t>amet</a:t>
+            </a:r>
+            <a:r>
+              <a:rPr lang="en-US" sz="1000" dirty="0"/>
+              <a:t>, </a:t>
+            </a:r>
+            <a:r>
+              <a:rPr lang="en-US" sz="1000" dirty="0" err="1"/>
+              <a:t>consectetur</a:t>
+            </a:r>
+            <a:r>
+              <a:rPr lang="en-US" sz="1000" dirty="0"/>
+              <a:t> </a:t>
+            </a:r>
+            <a:r>
+              <a:rPr lang="en-US" sz="1000" dirty="0" err="1"/>
+              <a:t>adipiscing</a:t>
+            </a:r>
+            <a:r>
+              <a:rPr lang="en-US" sz="1000" dirty="0"/>
+              <a:t> </a:t>
+            </a:r>
+            <a:r>
+              <a:rPr lang="en-US" sz="1000" dirty="0" err="1"/>
+              <a:t>elit</a:t>
+            </a:r>
+            <a:r>
+              <a:rPr lang="en-US" sz="1000" dirty="0"/>
+              <a:t>. </a:t>
+            </a:r>
+            <a:r>
+              <a:rPr lang="en-US" sz="1000" dirty="0" err="1"/>
+              <a:t>Curabitur</a:t>
+            </a:r>
+            <a:r>
+              <a:rPr lang="en-US" sz="1000" dirty="0"/>
+              <a:t> vitae tempus </a:t>
+            </a:r>
+            <a:r>
+              <a:rPr lang="en-US" sz="1000" dirty="0" err="1"/>
+              <a:t>neque</a:t>
+            </a:r>
+            <a:r>
+              <a:rPr lang="en-US" sz="1000" dirty="0"/>
+              <a:t>. </a:t>
+            </a:r>
+            <a:r>
+              <a:rPr lang="en-US" sz="1000" dirty="0" err="1"/>
+              <a:t>Aliquam</a:t>
+            </a:r>
+            <a:r>
+              <a:rPr lang="en-US" sz="1000" dirty="0"/>
+              <a:t> </a:t>
+            </a:r>
+            <a:r>
+              <a:rPr lang="en-US" sz="1000" dirty="0" err="1"/>
+              <a:t>sed</a:t>
+            </a:r>
+            <a:r>
+              <a:rPr lang="en-US" sz="1000" dirty="0"/>
+              <a:t> </a:t>
+            </a:r>
+            <a:r>
+              <a:rPr lang="en-US" sz="1000" dirty="0" err="1"/>
+              <a:t>lacinia</a:t>
+            </a:r>
+            <a:r>
+              <a:rPr lang="en-US" sz="1000" dirty="0"/>
+              <a:t> </a:t>
+            </a:r>
+            <a:r>
+              <a:rPr lang="en-US" sz="1000" dirty="0" err="1"/>
+              <a:t>eros</a:t>
+            </a:r>
+            <a:r>
+              <a:rPr lang="en-US" sz="1000" dirty="0"/>
+              <a:t>, vitae </a:t>
+            </a:r>
+            <a:r>
+              <a:rPr lang="en-US" sz="1000" dirty="0" err="1"/>
+              <a:t>rhoncus</a:t>
+            </a:r>
+            <a:r>
+              <a:rPr lang="en-US" sz="1000" dirty="0"/>
+              <a:t> </a:t>
+            </a:r>
+            <a:r>
+              <a:rPr lang="en-US" sz="1000" dirty="0" err="1"/>
+              <a:t>felis</a:t>
+            </a:r>
+            <a:r>
+              <a:rPr lang="en-US" sz="1000" dirty="0"/>
+              <a:t>. </a:t>
+            </a:r>
+            <a:r>
+              <a:rPr lang="en-US" sz="1000" dirty="0" err="1"/>
+              <a:t>Donec</a:t>
+            </a:r>
+            <a:r>
+              <a:rPr lang="en-US" sz="1000" dirty="0"/>
+              <a:t> </a:t>
+            </a:r>
+            <a:r>
+              <a:rPr lang="en-US" sz="1000" dirty="0" err="1"/>
+              <a:t>nisl</a:t>
+            </a:r>
+            <a:r>
+              <a:rPr lang="en-US" sz="1000" dirty="0"/>
+              <a:t> </a:t>
+            </a:r>
+            <a:r>
+              <a:rPr lang="en-US" sz="1000" dirty="0" err="1"/>
+              <a:t>libero</a:t>
+            </a:r>
+            <a:r>
+              <a:rPr lang="en-US" sz="1000" dirty="0"/>
+              <a:t>, </a:t>
+            </a:r>
+            <a:r>
+              <a:rPr lang="en-US" sz="1000" dirty="0" err="1"/>
+              <a:t>suscipit</a:t>
+            </a:r>
+            <a:r>
+              <a:rPr lang="en-US" sz="1000" dirty="0"/>
+              <a:t> </a:t>
+            </a:r>
+            <a:r>
+              <a:rPr lang="en-US" sz="1000" dirty="0" err="1"/>
+              <a:t>suscipit</a:t>
+            </a:r>
+            <a:r>
+              <a:rPr lang="en-US" sz="1000" dirty="0"/>
+              <a:t> </a:t>
+            </a:r>
+            <a:r>
+              <a:rPr lang="en-US" sz="1000" dirty="0" err="1"/>
+              <a:t>volutpat</a:t>
+            </a:r>
+            <a:r>
+              <a:rPr lang="en-US" sz="1000" dirty="0"/>
+              <a:t> </a:t>
+            </a:r>
+            <a:r>
+              <a:rPr lang="en-US" sz="1000" dirty="0" err="1"/>
+              <a:t>nec</a:t>
+            </a:r>
+            <a:r>
+              <a:rPr lang="en-US" sz="1000" dirty="0"/>
+              <a:t>, </a:t>
+            </a:r>
+            <a:r>
+              <a:rPr lang="en-US" sz="1000" dirty="0" err="1"/>
+              <a:t>pellentesque</a:t>
+            </a:r>
+            <a:r>
+              <a:rPr lang="en-US" sz="1000" dirty="0"/>
+              <a:t> </a:t>
+            </a:r>
+            <a:r>
+              <a:rPr lang="en-US" sz="1000" dirty="0" err="1"/>
+              <a:t>tincidunt</a:t>
+            </a:r>
+            <a:r>
+              <a:rPr lang="en-US" sz="1000" dirty="0"/>
+              <a:t> </a:t>
+            </a:r>
+            <a:r>
+              <a:rPr lang="en-US" sz="1000" dirty="0" err="1"/>
+              <a:t>augue</a:t>
+            </a:r>
+            <a:r>
+              <a:rPr lang="en-US" sz="1000" dirty="0"/>
+              <a:t>. </a:t>
+            </a:r>
+            <a:r>
+              <a:rPr lang="en-US" sz="1000" dirty="0" err="1"/>
+              <a:t>Donec</a:t>
+            </a:r>
+            <a:r>
+              <a:rPr lang="en-US" sz="1000" dirty="0"/>
+              <a:t> </a:t>
+            </a:r>
+            <a:r>
+              <a:rPr lang="en-US" sz="1000" dirty="0" err="1"/>
+              <a:t>ut</a:t>
+            </a:r>
+            <a:r>
+              <a:rPr lang="en-US" sz="1000" dirty="0"/>
+              <a:t> </a:t>
+            </a:r>
+            <a:r>
+              <a:rPr lang="en-US" sz="1000" dirty="0" err="1"/>
+              <a:t>nisl</a:t>
+            </a:r>
+            <a:r>
+              <a:rPr lang="en-US" sz="1000" dirty="0"/>
+              <a:t> </a:t>
+            </a:r>
+            <a:r>
+              <a:rPr lang="en-US" sz="1000" dirty="0" err="1"/>
+              <a:t>lorem</a:t>
+            </a:r>
+            <a:r>
+              <a:rPr lang="en-US" sz="1000" dirty="0"/>
+              <a:t>. </a:t>
+            </a:r>
+            <a:r>
+              <a:rPr lang="en-US" sz="1000" dirty="0" err="1"/>
+              <a:t>Sed</a:t>
+            </a:r>
+            <a:r>
+              <a:rPr lang="en-US" sz="1000" dirty="0"/>
+              <a:t> </a:t>
+            </a:r>
+            <a:r>
+              <a:rPr lang="en-US" sz="1000" dirty="0" err="1"/>
+              <a:t>egestas</a:t>
+            </a:r>
+            <a:r>
+              <a:rPr lang="en-US" sz="1000" dirty="0"/>
+              <a:t> </a:t>
+            </a:r>
+            <a:r>
+              <a:rPr lang="en-US" sz="1000" dirty="0" err="1"/>
+              <a:t>enim</a:t>
+            </a:r>
+            <a:r>
+              <a:rPr lang="en-US" sz="1000" dirty="0"/>
+              <a:t> </a:t>
+            </a:r>
+            <a:r>
+              <a:rPr lang="en-US" sz="1000" dirty="0" err="1"/>
+              <a:t>sed</a:t>
+            </a:r>
+            <a:r>
+              <a:rPr lang="en-US" sz="1000" dirty="0"/>
+              <a:t> </a:t>
+            </a:r>
+            <a:r>
+              <a:rPr lang="en-US" sz="1000" dirty="0" err="1"/>
+              <a:t>rhoncus</a:t>
+            </a:r>
+            <a:r>
+              <a:rPr lang="en-US" sz="1000" dirty="0"/>
+              <a:t> </a:t>
+            </a:r>
+            <a:r>
+              <a:rPr lang="en-US" sz="1000" dirty="0" err="1"/>
+              <a:t>bibendum</a:t>
+            </a:r>
+            <a:r>
+              <a:rPr lang="en-US" sz="1000" dirty="0"/>
+              <a:t>. </a:t>
+            </a:r>
+            <a:r>
+              <a:rPr lang="en-US" sz="1000" dirty="0" err="1"/>
+              <a:t>Nulla</a:t>
+            </a:r>
+            <a:r>
+              <a:rPr lang="en-US" sz="1000" dirty="0"/>
+              <a:t> lacus quam, </a:t>
+            </a:r>
+            <a:r>
+              <a:rPr lang="en-US" sz="1000" dirty="0" err="1"/>
+              <a:t>viverra</a:t>
+            </a:r>
+            <a:r>
+              <a:rPr lang="en-US" sz="1000" dirty="0"/>
+              <a:t> </a:t>
+            </a:r>
+            <a:r>
+              <a:rPr lang="en-US" sz="1000" dirty="0" err="1"/>
+              <a:t>ut</a:t>
+            </a:r>
+            <a:r>
+              <a:rPr lang="en-US" sz="1000" dirty="0"/>
+              <a:t> </a:t>
+            </a:r>
+            <a:r>
+              <a:rPr lang="en-US" sz="1000" dirty="0" err="1"/>
+              <a:t>blandit</a:t>
+            </a:r>
+            <a:r>
+              <a:rPr lang="en-US" sz="1000" dirty="0"/>
+              <a:t> et, </a:t>
+            </a:r>
+            <a:r>
+              <a:rPr lang="en-US" sz="1000" dirty="0" err="1"/>
+              <a:t>ultricies</a:t>
+            </a:r>
+            <a:r>
+              <a:rPr lang="en-US" sz="1000" dirty="0"/>
+              <a:t> non </a:t>
+            </a:r>
+            <a:r>
+              <a:rPr lang="en-US" sz="1000" dirty="0" err="1"/>
+              <a:t>nibh</a:t>
+            </a:r>
+            <a:r>
+              <a:rPr lang="en-US" sz="1000" dirty="0"/>
+              <a:t>. Class </a:t>
+            </a:r>
+            <a:r>
+              <a:rPr lang="en-US" sz="1000" dirty="0" err="1"/>
+              <a:t>aptent</a:t>
+            </a:r>
+            <a:r>
+              <a:rPr lang="en-US" sz="1000" dirty="0"/>
+              <a:t> </a:t>
+            </a:r>
+            <a:r>
+              <a:rPr lang="en-US" sz="1000" dirty="0" err="1"/>
+              <a:t>taciti</a:t>
+            </a:r>
+            <a:r>
+              <a:rPr lang="en-US" sz="1000" dirty="0"/>
+              <a:t> </a:t>
+            </a:r>
+            <a:r>
+              <a:rPr lang="en-US" sz="1000" dirty="0" err="1"/>
+              <a:t>sociosqu</a:t>
+            </a:r>
+            <a:r>
+              <a:rPr lang="en-US" sz="1000" dirty="0"/>
+              <a:t> ad </a:t>
+            </a:r>
+            <a:r>
+              <a:rPr lang="en-US" sz="1000" dirty="0" err="1"/>
+              <a:t>litora</a:t>
+            </a:r>
+            <a:r>
+              <a:rPr lang="en-US" sz="1000" dirty="0"/>
+              <a:t> </a:t>
+            </a:r>
+            <a:r>
+              <a:rPr lang="en-US" sz="1000" dirty="0" err="1"/>
+              <a:t>torquent</a:t>
+            </a:r>
+            <a:r>
+              <a:rPr lang="en-US" sz="1000" dirty="0"/>
+              <a:t> per </a:t>
+            </a:r>
+            <a:r>
+              <a:rPr lang="en-US" sz="1000" dirty="0" err="1"/>
+              <a:t>conubia</a:t>
+            </a:r>
+            <a:r>
+              <a:rPr lang="en-US" sz="1000" dirty="0"/>
+              <a:t> nostra, per </a:t>
+            </a:r>
+            <a:r>
+              <a:rPr lang="en-US" sz="1000" dirty="0" err="1"/>
+              <a:t>inceptos</a:t>
+            </a:r>
+            <a:r>
+              <a:rPr lang="en-US" sz="1000" dirty="0"/>
+              <a:t> </a:t>
+            </a:r>
+            <a:r>
+              <a:rPr lang="en-US" sz="1000" dirty="0" err="1"/>
+              <a:t>himenaeos</a:t>
+            </a:r>
+            <a:r>
+              <a:rPr lang="en-US" sz="1000" dirty="0"/>
+              <a:t>. </a:t>
+            </a:r>
+            <a:r>
+              <a:rPr lang="en-US" sz="1000" dirty="0" err="1"/>
+              <a:t>Phasellus</a:t>
+            </a:r>
+            <a:r>
+              <a:rPr lang="en-US" sz="1000" dirty="0"/>
+              <a:t> </a:t>
+            </a:r>
+            <a:r>
+              <a:rPr lang="en-US" sz="1000" dirty="0" err="1"/>
+              <a:t>condimentum</a:t>
+            </a:r>
+            <a:r>
+              <a:rPr lang="en-US" sz="1000" dirty="0"/>
+              <a:t> </a:t>
+            </a:r>
+            <a:r>
+              <a:rPr lang="en-US" sz="1000" dirty="0" err="1"/>
+              <a:t>pretium</a:t>
+            </a:r>
+            <a:r>
+              <a:rPr lang="en-US" sz="1000" dirty="0"/>
+              <a:t> </a:t>
+            </a:r>
+            <a:r>
+              <a:rPr lang="en-US" sz="1000" dirty="0" err="1"/>
+              <a:t>auctor</a:t>
+            </a:r>
+            <a:r>
+              <a:rPr lang="en-US" sz="1000" dirty="0" smtClean="0"/>
+              <a:t>.</a:t>
+            </a:r>
+            <a:endParaRPr kumimoji="1" lang="ja-JP" altLang="en-US" sz="1000" dirty="0"/>
+          </a:p>
+        </p:txBody>
+      </p:sp>
+      <p:sp>
+        <p:nvSpPr>
+          <p:cNvPr id="47" name="TextBox 46"/>
+          <p:cNvSpPr txBox="1"/>
+          <p:nvPr/>
+        </p:nvSpPr>
+        <p:spPr>
+          <a:xfrm>
+            <a:off x="1052852" y="2015759"/>
+            <a:ext cx="1587674" cy="215444"/>
+          </a:xfrm>
+          <a:prstGeom prst="rect">
+            <a:avLst/>
+          </a:prstGeom>
+          <a:noFill/>
+        </p:spPr>
+        <p:txBody>
+          <a:bodyPr wrap="none" rtlCol="0">
+            <a:spAutoFit/>
+          </a:bodyPr>
+          <a:lstStyle/>
+          <a:p>
+            <a:r>
+              <a:rPr kumimoji="1" lang="en-US" altLang="ja-JP" sz="800" i="1" dirty="0">
+                <a:solidFill>
+                  <a:schemeClr val="bg1">
+                    <a:lumMod val="65000"/>
+                  </a:schemeClr>
+                </a:solidFill>
+              </a:rPr>
+              <a:t>Date: 08/12/2015 12:40 </a:t>
+            </a:r>
+            <a:r>
+              <a:rPr kumimoji="1" lang="en-US" altLang="ja-JP" sz="800" i="1" dirty="0" smtClean="0">
+                <a:solidFill>
+                  <a:schemeClr val="bg1">
+                    <a:lumMod val="65000"/>
+                  </a:schemeClr>
+                </a:solidFill>
+              </a:rPr>
+              <a:t>by Tri Le</a:t>
+            </a:r>
+            <a:endParaRPr kumimoji="1" lang="ja-JP" altLang="en-US" sz="800" i="1" dirty="0">
+              <a:solidFill>
+                <a:schemeClr val="bg1">
+                  <a:lumMod val="65000"/>
+                </a:schemeClr>
+              </a:solidFill>
+            </a:endParaRPr>
+          </a:p>
+        </p:txBody>
+      </p:sp>
+      <p:sp>
+        <p:nvSpPr>
+          <p:cNvPr id="49" name="Rectangle 48"/>
+          <p:cNvSpPr/>
+          <p:nvPr/>
+        </p:nvSpPr>
+        <p:spPr>
+          <a:xfrm>
+            <a:off x="508520" y="1750485"/>
+            <a:ext cx="557218" cy="531168"/>
+          </a:xfrm>
+          <a:prstGeom prst="rect">
+            <a:avLst/>
+          </a:prstGeom>
+          <a:ln>
+            <a:solidFill>
+              <a:schemeClr val="tx1"/>
+            </a:solidFill>
+          </a:ln>
+          <a:effectLst/>
+        </p:spPr>
+        <p:style>
+          <a:lnRef idx="1">
+            <a:schemeClr val="accent1"/>
+          </a:lnRef>
+          <a:fillRef idx="3">
+            <a:schemeClr val="accent1"/>
+          </a:fillRef>
+          <a:effectRef idx="2">
+            <a:schemeClr val="accent1"/>
+          </a:effectRef>
+          <a:fontRef idx="minor">
+            <a:schemeClr val="lt1"/>
+          </a:fontRef>
+        </p:style>
+        <p:txBody>
+          <a:bodyPr rtlCol="0" anchor="ctr"/>
+          <a:lstStyle/>
+          <a:p>
+            <a:pPr algn="ctr"/>
+            <a:r>
+              <a:rPr kumimoji="1" lang="en-US" altLang="ja-JP" sz="1000" dirty="0">
+                <a:solidFill>
+                  <a:schemeClr val="tx1"/>
+                </a:solidFill>
+              </a:rPr>
+              <a:t>Image</a:t>
+            </a:r>
+            <a:endParaRPr kumimoji="1" lang="ja-JP" altLang="en-US" sz="1000" dirty="0">
+              <a:solidFill>
+                <a:schemeClr val="tx1"/>
+              </a:solidFill>
+            </a:endParaRPr>
+          </a:p>
+        </p:txBody>
+      </p:sp>
+      <p:sp>
+        <p:nvSpPr>
+          <p:cNvPr id="3" name="Rectangle 2"/>
+          <p:cNvSpPr/>
+          <p:nvPr/>
+        </p:nvSpPr>
+        <p:spPr>
+          <a:xfrm>
+            <a:off x="684213" y="970286"/>
+            <a:ext cx="442223" cy="307777"/>
+          </a:xfrm>
+          <a:prstGeom prst="rect">
+            <a:avLst/>
+          </a:prstGeom>
+          <a:noFill/>
+        </p:spPr>
+        <p:txBody>
+          <a:bodyPr wrap="none" lIns="91440" tIns="45720" rIns="91440" bIns="45720">
+            <a:spAutoFit/>
+          </a:bodyPr>
+          <a:lstStyle/>
+          <a:p>
+            <a:pPr algn="ctr"/>
+            <a:r>
+              <a:rPr lang="en-US" altLang="ja-JP" sz="1400" b="1" cap="none" spc="0" dirty="0" smtClean="0">
+                <a:ln w="12700">
+                  <a:solidFill>
+                    <a:schemeClr val="tx2">
+                      <a:satMod val="155000"/>
+                    </a:schemeClr>
+                  </a:solidFill>
+                  <a:prstDash val="solid"/>
+                </a:ln>
+                <a:solidFill>
+                  <a:schemeClr val="bg2">
+                    <a:tint val="85000"/>
+                    <a:satMod val="155000"/>
+                  </a:schemeClr>
+                </a:solidFill>
+                <a:effectLst>
+                  <a:outerShdw blurRad="41275" dist="20320" dir="1800000" algn="tl" rotWithShape="0">
+                    <a:srgbClr val="000000">
+                      <a:alpha val="40000"/>
+                    </a:srgbClr>
+                  </a:outerShdw>
+                </a:effectLst>
+              </a:rPr>
+              <a:t>MB</a:t>
+            </a:r>
+            <a:endParaRPr lang="en-US" altLang="ja-JP" sz="1400" b="1" cap="none" spc="0" dirty="0">
+              <a:ln w="12700">
+                <a:solidFill>
+                  <a:schemeClr val="tx2">
+                    <a:satMod val="155000"/>
+                  </a:schemeClr>
+                </a:solidFill>
+                <a:prstDash val="solid"/>
+              </a:ln>
+              <a:solidFill>
+                <a:schemeClr val="bg2">
+                  <a:tint val="85000"/>
+                  <a:satMod val="155000"/>
+                </a:schemeClr>
+              </a:solidFill>
+              <a:effectLst>
+                <a:outerShdw blurRad="41275" dist="20320" dir="1800000" algn="tl" rotWithShape="0">
+                  <a:srgbClr val="000000">
+                    <a:alpha val="40000"/>
+                  </a:srgbClr>
+                </a:outerShdw>
+              </a:effectLst>
+            </a:endParaRPr>
+          </a:p>
+        </p:txBody>
+      </p:sp>
+      <p:sp>
+        <p:nvSpPr>
+          <p:cNvPr id="7" name="Rectangle 6"/>
+          <p:cNvSpPr/>
+          <p:nvPr/>
+        </p:nvSpPr>
+        <p:spPr>
+          <a:xfrm>
+            <a:off x="1108208" y="1033063"/>
+            <a:ext cx="1743158" cy="192975"/>
+          </a:xfrm>
+          <a:prstGeom prst="rect">
+            <a:avLst/>
+          </a:prstGeom>
+          <a:solidFill>
+            <a:schemeClr val="bg1"/>
+          </a:solidFill>
+          <a:ln>
+            <a:solidFill>
+              <a:schemeClr val="tx1"/>
+            </a:solidFill>
+          </a:ln>
+          <a:effectLst/>
+        </p:spPr>
+        <p:style>
+          <a:lnRef idx="1">
+            <a:schemeClr val="accent1"/>
+          </a:lnRef>
+          <a:fillRef idx="3">
+            <a:schemeClr val="accent1"/>
+          </a:fillRef>
+          <a:effectRef idx="2">
+            <a:schemeClr val="accent1"/>
+          </a:effectRef>
+          <a:fontRef idx="minor">
+            <a:schemeClr val="lt1"/>
+          </a:fontRef>
+        </p:style>
+        <p:txBody>
+          <a:bodyPr rtlCol="0" anchor="ctr"/>
+          <a:lstStyle/>
+          <a:p>
+            <a:r>
+              <a:rPr kumimoji="1" lang="en-US" altLang="ja-JP" sz="800" i="1" dirty="0">
+                <a:solidFill>
+                  <a:schemeClr val="bg1">
+                    <a:lumMod val="75000"/>
+                  </a:schemeClr>
+                </a:solidFill>
+              </a:rPr>
+              <a:t>Username, </a:t>
+            </a:r>
+            <a:r>
+              <a:rPr kumimoji="1" lang="en-US" altLang="ja-JP" sz="800" i="1" dirty="0" err="1">
+                <a:solidFill>
+                  <a:schemeClr val="bg1">
+                    <a:lumMod val="75000"/>
+                  </a:schemeClr>
+                </a:solidFill>
+              </a:rPr>
+              <a:t>firstname</a:t>
+            </a:r>
+            <a:r>
+              <a:rPr kumimoji="1" lang="en-US" altLang="ja-JP" sz="800" i="1" dirty="0">
+                <a:solidFill>
+                  <a:schemeClr val="bg1">
+                    <a:lumMod val="75000"/>
+                  </a:schemeClr>
+                </a:solidFill>
+              </a:rPr>
+              <a:t>, </a:t>
+            </a:r>
+            <a:r>
+              <a:rPr kumimoji="1" lang="en-US" altLang="ja-JP" sz="800" i="1" dirty="0" err="1">
+                <a:solidFill>
+                  <a:schemeClr val="bg1">
+                    <a:lumMod val="75000"/>
+                  </a:schemeClr>
+                </a:solidFill>
+              </a:rPr>
+              <a:t>lastname</a:t>
+            </a:r>
+            <a:endParaRPr kumimoji="1" lang="ja-JP" altLang="en-US" sz="800" i="1" dirty="0">
+              <a:solidFill>
+                <a:schemeClr val="bg1">
+                  <a:lumMod val="75000"/>
+                </a:schemeClr>
+              </a:solidFill>
+            </a:endParaRPr>
+          </a:p>
+        </p:txBody>
+      </p:sp>
+      <p:pic>
+        <p:nvPicPr>
+          <p:cNvPr id="4" name="Picture 3" descr="Search Is Png Png small.png"/>
+          <p:cNvPicPr>
+            <a:picLocks noChangeAspect="1"/>
+          </p:cNvPicPr>
+          <p:nvPr/>
+        </p:nvPicPr>
+        <p:blipFill>
+          <a:blip r:embed="rId2">
+            <a:extLst>
+              <a:ext uri="{28A0092B-C50C-407E-A947-70E740481C1C}">
+                <a14:useLocalDpi xmlns:a14="http://schemas.microsoft.com/office/drawing/2010/main" val="0"/>
+              </a:ext>
+            </a:extLst>
+          </a:blip>
+          <a:stretch>
+            <a:fillRect/>
+          </a:stretch>
+        </p:blipFill>
+        <p:spPr>
+          <a:xfrm>
+            <a:off x="2666504" y="1061485"/>
+            <a:ext cx="153246" cy="152736"/>
+          </a:xfrm>
+          <a:prstGeom prst="rect">
+            <a:avLst/>
+          </a:prstGeom>
+        </p:spPr>
+      </p:pic>
+      <p:cxnSp>
+        <p:nvCxnSpPr>
+          <p:cNvPr id="41" name="Straight Connector 40"/>
+          <p:cNvCxnSpPr/>
+          <p:nvPr/>
+        </p:nvCxnSpPr>
+        <p:spPr>
+          <a:xfrm>
+            <a:off x="3949696" y="1902256"/>
+            <a:ext cx="0" cy="2871286"/>
+          </a:xfrm>
+          <a:prstGeom prst="line">
+            <a:avLst/>
+          </a:prstGeom>
+          <a:ln w="3175" cmpd="sng">
+            <a:solidFill>
+              <a:schemeClr val="bg1">
+                <a:lumMod val="75000"/>
+              </a:schemeClr>
+            </a:solidFill>
+          </a:ln>
+          <a:effectLst/>
+        </p:spPr>
+        <p:style>
+          <a:lnRef idx="2">
+            <a:schemeClr val="accent1"/>
+          </a:lnRef>
+          <a:fillRef idx="0">
+            <a:schemeClr val="accent1"/>
+          </a:fillRef>
+          <a:effectRef idx="1">
+            <a:schemeClr val="accent1"/>
+          </a:effectRef>
+          <a:fontRef idx="minor">
+            <a:schemeClr val="tx1"/>
+          </a:fontRef>
+        </p:style>
+      </p:cxnSp>
+      <p:sp>
+        <p:nvSpPr>
+          <p:cNvPr id="50" name="TextBox 49"/>
+          <p:cNvSpPr txBox="1"/>
+          <p:nvPr/>
+        </p:nvSpPr>
+        <p:spPr>
+          <a:xfrm>
+            <a:off x="3986291" y="2079917"/>
+            <a:ext cx="629518" cy="253916"/>
+          </a:xfrm>
+          <a:prstGeom prst="rect">
+            <a:avLst/>
+          </a:prstGeom>
+          <a:noFill/>
+        </p:spPr>
+        <p:txBody>
+          <a:bodyPr wrap="none" rtlCol="0">
+            <a:spAutoFit/>
+          </a:bodyPr>
+          <a:lstStyle/>
+          <a:p>
+            <a:r>
+              <a:rPr kumimoji="1" lang="en-US" altLang="ja-JP" sz="1050" dirty="0" smtClean="0">
+                <a:solidFill>
+                  <a:schemeClr val="tx2">
+                    <a:lumMod val="20000"/>
+                    <a:lumOff val="80000"/>
+                  </a:schemeClr>
+                </a:solidFill>
+              </a:rPr>
+              <a:t>My Post </a:t>
+            </a:r>
+            <a:endParaRPr kumimoji="1" lang="ja-JP" altLang="en-US" sz="1050" dirty="0">
+              <a:solidFill>
+                <a:schemeClr val="tx2">
+                  <a:lumMod val="20000"/>
+                  <a:lumOff val="80000"/>
+                </a:schemeClr>
+              </a:solidFill>
+            </a:endParaRPr>
+          </a:p>
+        </p:txBody>
+      </p:sp>
+      <p:sp>
+        <p:nvSpPr>
+          <p:cNvPr id="51" name="TextBox 50"/>
+          <p:cNvSpPr txBox="1"/>
+          <p:nvPr/>
+        </p:nvSpPr>
+        <p:spPr>
+          <a:xfrm>
+            <a:off x="3985248" y="2310480"/>
+            <a:ext cx="660814" cy="253916"/>
+          </a:xfrm>
+          <a:prstGeom prst="rect">
+            <a:avLst/>
+          </a:prstGeom>
+          <a:noFill/>
+        </p:spPr>
+        <p:txBody>
+          <a:bodyPr wrap="none" rtlCol="0">
+            <a:spAutoFit/>
+          </a:bodyPr>
+          <a:lstStyle/>
+          <a:p>
+            <a:r>
+              <a:rPr kumimoji="1" lang="en-US" altLang="ja-JP" sz="1050" dirty="0" smtClean="0">
+                <a:solidFill>
+                  <a:schemeClr val="tx2">
+                    <a:lumMod val="20000"/>
+                    <a:lumOff val="80000"/>
+                  </a:schemeClr>
+                </a:solidFill>
+              </a:rPr>
+              <a:t>Top Post </a:t>
+            </a:r>
+            <a:endParaRPr kumimoji="1" lang="ja-JP" altLang="en-US" sz="1050" dirty="0">
+              <a:solidFill>
+                <a:schemeClr val="tx2">
+                  <a:lumMod val="20000"/>
+                  <a:lumOff val="80000"/>
+                </a:schemeClr>
+              </a:solidFill>
+            </a:endParaRPr>
+          </a:p>
+        </p:txBody>
+      </p:sp>
+      <p:sp>
+        <p:nvSpPr>
+          <p:cNvPr id="52" name="TextBox 51"/>
+          <p:cNvSpPr txBox="1"/>
+          <p:nvPr/>
+        </p:nvSpPr>
+        <p:spPr>
+          <a:xfrm>
+            <a:off x="3986285" y="1868236"/>
+            <a:ext cx="703616" cy="253916"/>
+          </a:xfrm>
+          <a:prstGeom prst="rect">
+            <a:avLst/>
+          </a:prstGeom>
+          <a:noFill/>
+        </p:spPr>
+        <p:txBody>
+          <a:bodyPr wrap="none" rtlCol="0">
+            <a:spAutoFit/>
+          </a:bodyPr>
+          <a:lstStyle/>
+          <a:p>
+            <a:r>
+              <a:rPr kumimoji="1" lang="en-US" altLang="ja-JP" sz="1050" dirty="0" smtClean="0">
+                <a:solidFill>
+                  <a:schemeClr val="tx2">
+                    <a:lumMod val="20000"/>
+                    <a:lumOff val="80000"/>
+                  </a:schemeClr>
+                </a:solidFill>
+              </a:rPr>
+              <a:t>New Post</a:t>
+            </a:r>
+            <a:endParaRPr kumimoji="1" lang="ja-JP" altLang="en-US" sz="1050" dirty="0">
+              <a:solidFill>
+                <a:schemeClr val="tx2">
+                  <a:lumMod val="20000"/>
+                  <a:lumOff val="80000"/>
+                </a:schemeClr>
+              </a:solidFill>
+            </a:endParaRPr>
+          </a:p>
+        </p:txBody>
+      </p:sp>
+      <p:sp>
+        <p:nvSpPr>
+          <p:cNvPr id="55" name="TextBox 54"/>
+          <p:cNvSpPr txBox="1"/>
+          <p:nvPr/>
+        </p:nvSpPr>
+        <p:spPr>
+          <a:xfrm>
+            <a:off x="4010643" y="2539083"/>
+            <a:ext cx="593159" cy="253916"/>
+          </a:xfrm>
+          <a:prstGeom prst="rect">
+            <a:avLst/>
+          </a:prstGeom>
+          <a:noFill/>
+        </p:spPr>
+        <p:txBody>
+          <a:bodyPr wrap="none" rtlCol="0">
+            <a:spAutoFit/>
+          </a:bodyPr>
+          <a:lstStyle/>
+          <a:p>
+            <a:r>
+              <a:rPr kumimoji="1" lang="en-US" altLang="ja-JP" sz="1050" dirty="0" smtClean="0">
+                <a:solidFill>
+                  <a:schemeClr val="tx2">
+                    <a:lumMod val="20000"/>
+                    <a:lumOff val="80000"/>
+                  </a:schemeClr>
+                </a:solidFill>
+              </a:rPr>
+              <a:t>All Post </a:t>
+            </a:r>
+            <a:endParaRPr kumimoji="1" lang="ja-JP" altLang="en-US" sz="1050" dirty="0">
+              <a:solidFill>
+                <a:schemeClr val="tx2">
+                  <a:lumMod val="20000"/>
+                  <a:lumOff val="80000"/>
+                </a:schemeClr>
+              </a:solidFill>
+            </a:endParaRPr>
+          </a:p>
+        </p:txBody>
+      </p:sp>
+      <p:sp>
+        <p:nvSpPr>
+          <p:cNvPr id="69" name="TextBox 68"/>
+          <p:cNvSpPr txBox="1"/>
+          <p:nvPr/>
+        </p:nvSpPr>
+        <p:spPr>
+          <a:xfrm>
+            <a:off x="1662576" y="1677389"/>
+            <a:ext cx="327433" cy="246221"/>
+          </a:xfrm>
+          <a:prstGeom prst="rect">
+            <a:avLst/>
+          </a:prstGeom>
+          <a:noFill/>
+        </p:spPr>
+        <p:txBody>
+          <a:bodyPr wrap="none" rtlCol="0">
+            <a:spAutoFit/>
+          </a:bodyPr>
+          <a:lstStyle/>
+          <a:p>
+            <a:r>
+              <a:rPr kumimoji="1" lang="en-US" altLang="ja-JP" sz="1000" dirty="0" smtClean="0">
+                <a:solidFill>
+                  <a:srgbClr val="FF0000"/>
+                </a:solidFill>
+              </a:rPr>
+              <a:t>(2)</a:t>
+            </a:r>
+            <a:endParaRPr kumimoji="1" lang="ja-JP" altLang="en-US" sz="1000" dirty="0">
+              <a:solidFill>
+                <a:srgbClr val="FF0000"/>
+              </a:solidFill>
+            </a:endParaRPr>
+          </a:p>
+        </p:txBody>
+      </p:sp>
+      <p:pic>
+        <p:nvPicPr>
+          <p:cNvPr id="8" name="Picture 7" descr="back-icon.png"/>
+          <p:cNvPicPr>
+            <a:picLocks noChangeAspect="1"/>
+          </p:cNvPicPr>
+          <p:nvPr/>
+        </p:nvPicPr>
+        <p:blipFill>
+          <a:blip r:embed="rId3">
+            <a:extLst>
+              <a:ext uri="{28A0092B-C50C-407E-A947-70E740481C1C}">
+                <a14:useLocalDpi xmlns:a14="http://schemas.microsoft.com/office/drawing/2010/main" val="0"/>
+              </a:ext>
+            </a:extLst>
+          </a:blip>
+          <a:stretch>
+            <a:fillRect/>
+          </a:stretch>
+        </p:blipFill>
+        <p:spPr>
+          <a:xfrm>
+            <a:off x="1519769" y="1863872"/>
+            <a:ext cx="162852" cy="162852"/>
+          </a:xfrm>
+          <a:prstGeom prst="rect">
+            <a:avLst/>
+          </a:prstGeom>
+        </p:spPr>
+      </p:pic>
+      <p:pic>
+        <p:nvPicPr>
+          <p:cNvPr id="10" name="Picture 9" descr="574984-Tick-128.png"/>
+          <p:cNvPicPr>
+            <a:picLocks noChangeAspect="1"/>
+          </p:cNvPicPr>
+          <p:nvPr/>
+        </p:nvPicPr>
+        <p:blipFill>
+          <a:blip r:embed="rId4">
+            <a:extLst>
+              <a:ext uri="{28A0092B-C50C-407E-A947-70E740481C1C}">
+                <a14:useLocalDpi xmlns:a14="http://schemas.microsoft.com/office/drawing/2010/main" val="0"/>
+              </a:ext>
+            </a:extLst>
+          </a:blip>
+          <a:stretch>
+            <a:fillRect/>
+          </a:stretch>
+        </p:blipFill>
+        <p:spPr>
+          <a:xfrm>
+            <a:off x="1727656" y="1852505"/>
+            <a:ext cx="176799" cy="176799"/>
+          </a:xfrm>
+          <a:prstGeom prst="rect">
+            <a:avLst/>
+          </a:prstGeom>
+        </p:spPr>
+      </p:pic>
+      <p:sp>
+        <p:nvSpPr>
+          <p:cNvPr id="68" name="TextBox 67"/>
+          <p:cNvSpPr txBox="1"/>
+          <p:nvPr/>
+        </p:nvSpPr>
+        <p:spPr>
+          <a:xfrm>
+            <a:off x="1434983" y="1676670"/>
+            <a:ext cx="327433" cy="246221"/>
+          </a:xfrm>
+          <a:prstGeom prst="rect">
+            <a:avLst/>
+          </a:prstGeom>
+          <a:noFill/>
+        </p:spPr>
+        <p:txBody>
+          <a:bodyPr wrap="none" rtlCol="0">
+            <a:spAutoFit/>
+          </a:bodyPr>
+          <a:lstStyle/>
+          <a:p>
+            <a:r>
+              <a:rPr kumimoji="1" lang="en-US" altLang="ja-JP" sz="1000" dirty="0" smtClean="0">
+                <a:solidFill>
+                  <a:srgbClr val="FF0000"/>
+                </a:solidFill>
+              </a:rPr>
+              <a:t>(1)</a:t>
+            </a:r>
+            <a:endParaRPr kumimoji="1" lang="ja-JP" altLang="en-US" sz="1000" dirty="0">
+              <a:solidFill>
+                <a:srgbClr val="FF0000"/>
+              </a:solidFill>
+            </a:endParaRPr>
+          </a:p>
+        </p:txBody>
+      </p:sp>
+    </p:spTree>
+    <p:extLst>
+      <p:ext uri="{BB962C8B-B14F-4D97-AF65-F5344CB8AC3E}">
+        <p14:creationId xmlns:p14="http://schemas.microsoft.com/office/powerpoint/2010/main" val="2489763704"/>
       </p:ext>
     </p:extLst>
   </p:cSld>
@@ -18917,6 +20771,128 @@
           </a:p>
         </p:txBody>
       </p:sp>
+      <p:sp>
+        <p:nvSpPr>
+          <p:cNvPr id="44" name="TextBox 43"/>
+          <p:cNvSpPr txBox="1"/>
+          <p:nvPr/>
+        </p:nvSpPr>
+        <p:spPr>
+          <a:xfrm>
+            <a:off x="2812046" y="4567886"/>
+            <a:ext cx="859367" cy="246221"/>
+          </a:xfrm>
+          <a:prstGeom prst="rect">
+            <a:avLst/>
+          </a:prstGeom>
+          <a:noFill/>
+        </p:spPr>
+        <p:txBody>
+          <a:bodyPr wrap="none" rtlCol="0">
+            <a:spAutoFit/>
+          </a:bodyPr>
+          <a:lstStyle/>
+          <a:p>
+            <a:r>
+              <a:rPr kumimoji="1" lang="en-US" altLang="ja-JP" sz="1000" dirty="0" smtClean="0"/>
+              <a:t>Preview </a:t>
+            </a:r>
+            <a:r>
+              <a:rPr kumimoji="1" lang="en-US" altLang="ja-JP" sz="1000" dirty="0" smtClean="0"/>
+              <a:t>post</a:t>
+            </a:r>
+            <a:endParaRPr kumimoji="1" lang="ja-JP" altLang="en-US" sz="1000" dirty="0"/>
+          </a:p>
+        </p:txBody>
+      </p:sp>
+      <p:sp useBgFill="1">
+        <p:nvSpPr>
+          <p:cNvPr id="45" name="Rectangle 44"/>
+          <p:cNvSpPr/>
+          <p:nvPr/>
+        </p:nvSpPr>
+        <p:spPr>
+          <a:xfrm>
+            <a:off x="2929137" y="4286607"/>
+            <a:ext cx="598646" cy="290286"/>
+          </a:xfrm>
+          <a:prstGeom prst="rect">
+            <a:avLst/>
+          </a:prstGeom>
+          <a:ln/>
+        </p:spPr>
+        <p:style>
+          <a:lnRef idx="2">
+            <a:schemeClr val="dk1"/>
+          </a:lnRef>
+          <a:fillRef idx="1">
+            <a:schemeClr val="lt1"/>
+          </a:fillRef>
+          <a:effectRef idx="0">
+            <a:schemeClr val="dk1"/>
+          </a:effectRef>
+          <a:fontRef idx="minor">
+            <a:schemeClr val="dk1"/>
+          </a:fontRef>
+        </p:style>
+        <p:txBody>
+          <a:bodyPr rtlCol="0" anchor="ctr"/>
+          <a:lstStyle/>
+          <a:p>
+            <a:pPr algn="ctr"/>
+            <a:r>
+              <a:rPr kumimoji="1" lang="en-US" altLang="ja-JP" sz="1000" dirty="0"/>
+              <a:t>S</a:t>
+            </a:r>
+            <a:r>
+              <a:rPr kumimoji="1" lang="en-US" altLang="ja-JP" sz="1000" dirty="0" smtClean="0"/>
+              <a:t>-7</a:t>
+            </a:r>
+            <a:r>
+              <a:rPr kumimoji="1" lang="en-US" altLang="ja-JP" sz="1000" dirty="0" smtClean="0"/>
+              <a:t>-2</a:t>
+            </a:r>
+            <a:endParaRPr kumimoji="1" lang="ja-JP" altLang="en-US" sz="1000" dirty="0"/>
+          </a:p>
+        </p:txBody>
+      </p:sp>
+      <p:cxnSp>
+        <p:nvCxnSpPr>
+          <p:cNvPr id="46" name="Straight Arrow Connector 45"/>
+          <p:cNvCxnSpPr/>
+          <p:nvPr/>
+        </p:nvCxnSpPr>
+        <p:spPr>
+          <a:xfrm>
+            <a:off x="2382293" y="4431750"/>
+            <a:ext cx="557784" cy="0"/>
+          </a:xfrm>
+          <a:prstGeom prst="straightConnector1">
+            <a:avLst/>
+          </a:prstGeom>
+          <a:ln>
+            <a:solidFill>
+              <a:schemeClr val="tx1"/>
+            </a:solidFill>
+            <a:tailEnd type="arrow"/>
+          </a:ln>
+          <a:effectLst/>
+        </p:spPr>
+        <p:style>
+          <a:lnRef idx="2">
+            <a:schemeClr val="accent1"/>
+          </a:lnRef>
+          <a:fillRef idx="0">
+            <a:schemeClr val="accent1"/>
+          </a:fillRef>
+          <a:effectRef idx="1">
+            <a:schemeClr val="accent1"/>
+          </a:effectRef>
+          <a:fontRef idx="minor">
+            <a:schemeClr val="tx1"/>
+          </a:fontRef>
+        </p:style>
+      </p:cxnSp>
     </p:spTree>
     <p:extLst>
       <p:ext uri="{BB962C8B-B14F-4D97-AF65-F5344CB8AC3E}">
@@ -19372,15 +21348,7 @@
                       </a:r>
                       <a:r>
                         <a:rPr kumimoji="1" lang="en-US" altLang="ja-JP" sz="1000" baseline="0" dirty="0" smtClean="0"/>
-                        <a:t>, </a:t>
-                      </a:r>
-                      <a:r>
-                        <a:rPr kumimoji="1" lang="en-US" altLang="ja-JP" sz="1000" baseline="0" dirty="0" smtClean="0"/>
-                        <a:t>post </a:t>
-                      </a:r>
-                      <a:r>
-                        <a:rPr kumimoji="1" lang="en-US" altLang="ja-JP" sz="1000" baseline="0" dirty="0" smtClean="0"/>
-                        <a:t>content</a:t>
+                        <a:t>, post content</a:t>
                       </a:r>
                       <a:endParaRPr kumimoji="1" lang="ja-JP" altLang="en-US" sz="1000" dirty="0"/>
                     </a:p>
@@ -19978,14 +21946,7 @@
                           <a:latin typeface="Calibri"/>
                           <a:cs typeface="Calibri"/>
                         </a:rPr>
-                        <a:t>-3-</a:t>
-                      </a:r>
-                      <a:r>
-                        <a:rPr kumimoji="1" lang="vi-VN" altLang="ja-JP" sz="1000" dirty="0" smtClean="0">
-                          <a:latin typeface="Calibri"/>
-                          <a:cs typeface="Calibri"/>
-                        </a:rPr>
-                        <a:t>1</a:t>
+                        <a:t>-3-1</a:t>
                       </a:r>
                       <a:endParaRPr kumimoji="1" lang="ja-JP" altLang="en-US" sz="1000" dirty="0">
                         <a:latin typeface="Calibri"/>
@@ -29845,11 +31806,7 @@
                     <a:p>
                       <a:r>
                         <a:rPr kumimoji="1" lang="en-US" altLang="ja-JP" sz="1000" dirty="0" smtClean="0"/>
-                        <a:t>S-3</a:t>
-                      </a:r>
-                      <a:r>
-                        <a:rPr kumimoji="1" lang="en-US" altLang="ja-JP" sz="1000" dirty="0" smtClean="0"/>
-                        <a:t>-1</a:t>
+                        <a:t>S-3-1</a:t>
                       </a:r>
                       <a:endParaRPr kumimoji="1" lang="ja-JP" altLang="en-US" sz="1000" dirty="0"/>
                     </a:p>
@@ -30452,7 +32409,6 @@
               <a:rPr lang="en-US" sz="1200" dirty="0"/>
               <a:t>Change password</a:t>
             </a:r>
-            <a:endParaRPr lang="en-US" sz="1200" dirty="0"/>
           </a:p>
         </p:txBody>
       </p:sp>
@@ -31407,14 +33363,7 @@
                           <a:latin typeface="Calibri"/>
                           <a:cs typeface="Calibri"/>
                         </a:rPr>
-                        <a:t>-3</a:t>
-                      </a:r>
-                      <a:r>
-                        <a:rPr kumimoji="1" lang="vi-VN" altLang="ja-JP" sz="1000" dirty="0" smtClean="0">
-                          <a:latin typeface="Calibri"/>
-                          <a:cs typeface="Calibri"/>
-                        </a:rPr>
-                        <a:t>-</a:t>
+                        <a:t>-3-</a:t>
                       </a:r>
                       <a:r>
                         <a:rPr kumimoji="1" lang="vi-VN" altLang="ja-JP" sz="1000" dirty="0">

--- a/doc/frontend/wireframe/TRN-MiniBlog_WireframeDesign_TRILE.pptx
+++ b/doc/frontend/wireframe/TRN-MiniBlog_WireframeDesign_TRILE.pptx
@@ -146,7 +146,7 @@
       </p14:sectionLst>
     </p:ext>
     <p:ext uri="{EFAFB233-063F-42B5-8137-9DF3F51BA10A}">
-      <p15:sldGuideLst xmlns="" xmlns:p15="http://schemas.microsoft.com/office/powerpoint/2012/main">
+      <p15:sldGuideLst xmlns:p15="http://schemas.microsoft.com/office/powerpoint/2012/main" xmlns="">
         <p15:guide id="1" orient="horz" pos="2160">
           <p15:clr>
             <a:srgbClr val="A4A3A4"/>
@@ -15462,15 +15462,7 @@
             </a:r>
             <a:r>
               <a:rPr kumimoji="1" lang="en-US" altLang="ja-JP" dirty="0" smtClean="0"/>
-              <a:t>-7-1 </a:t>
-            </a:r>
-            <a:r>
-              <a:rPr kumimoji="1" lang="en-US" altLang="ja-JP" dirty="0" smtClean="0"/>
-              <a:t>New </a:t>
-            </a:r>
-            <a:r>
-              <a:rPr kumimoji="1" lang="en-US" altLang="ja-JP" dirty="0" smtClean="0"/>
-              <a:t>post</a:t>
+              <a:t>-7-1 New post</a:t>
             </a:r>
             <a:endParaRPr kumimoji="1" lang="ja-JP" altLang="en-US" dirty="0"/>
           </a:p>
@@ -17628,11 +17620,7 @@
             </a:r>
             <a:r>
               <a:rPr kumimoji="1" lang="en-US" altLang="ja-JP" dirty="0" smtClean="0"/>
-              <a:t>-7-1 P</a:t>
-            </a:r>
-            <a:r>
-              <a:rPr kumimoji="1" lang="en-US" altLang="ja-JP" dirty="0" smtClean="0"/>
-              <a:t>review post</a:t>
+              <a:t>-7-1 Preview post</a:t>
             </a:r>
             <a:endParaRPr kumimoji="1" lang="ja-JP" altLang="en-US" dirty="0"/>
           </a:p>
@@ -17823,14 +17811,14 @@
           <p:nvPr>
             <p:extLst>
               <p:ext uri="{D42A27DB-BD31-4B8C-83A1-F6EECF244321}">
-                <p14:modId xmlns:p14="http://schemas.microsoft.com/office/powerpoint/2010/main" val="4275155293"/>
+                <p14:modId xmlns:p14="http://schemas.microsoft.com/office/powerpoint/2010/main" val="2413073943"/>
               </p:ext>
             </p:extLst>
           </p:nvPr>
         </p:nvGraphicFramePr>
         <p:xfrm>
           <a:off x="5156198" y="1009450"/>
-          <a:ext cx="3903137" cy="981246"/>
+          <a:ext cx="3903137" cy="1050404"/>
         </p:xfrm>
         <a:graphic>
           <a:graphicData uri="http://schemas.openxmlformats.org/drawingml/2006/table">
@@ -17997,7 +17985,27 @@
                           <a:latin typeface="Calibri"/>
                           <a:cs typeface="Calibri"/>
                         </a:rPr>
-                        <a:t>S-7-1</a:t>
+                        <a:t>S-7-</a:t>
+                      </a:r>
+                      <a:r>
+                        <a:rPr kumimoji="1" lang="en-US" altLang="ja-JP" sz="1000" dirty="0" smtClean="0">
+                          <a:latin typeface="Calibri"/>
+                          <a:cs typeface="Calibri"/>
+                        </a:rPr>
+                        <a:t>1</a:t>
+                      </a:r>
+                      <a:br>
+                        <a:rPr kumimoji="1" lang="en-US" altLang="ja-JP" sz="1000" dirty="0" smtClean="0">
+                          <a:latin typeface="Calibri"/>
+                          <a:cs typeface="Calibri"/>
+                        </a:rPr>
+                      </a:br>
+                      <a:r>
+                        <a:rPr kumimoji="1" lang="en-US" altLang="ja-JP" sz="1000" dirty="0" smtClean="0">
+                          <a:latin typeface="Calibri"/>
+                          <a:cs typeface="Calibri"/>
+                        </a:rPr>
+                        <a:t>S-3-5</a:t>
                       </a:r>
                       <a:endParaRPr kumimoji="1" lang="ja-JP" altLang="en-US" sz="1000" dirty="0">
                         <a:latin typeface="Calibri"/>
@@ -20795,11 +20803,7 @@
           <a:p>
             <a:r>
               <a:rPr kumimoji="1" lang="en-US" altLang="ja-JP" sz="1000" dirty="0" smtClean="0"/>
-              <a:t>Preview </a:t>
-            </a:r>
-            <a:r>
-              <a:rPr kumimoji="1" lang="en-US" altLang="ja-JP" sz="1000" dirty="0" smtClean="0"/>
-              <a:t>post</a:t>
+              <a:t>Preview post</a:t>
             </a:r>
             <a:endParaRPr kumimoji="1" lang="ja-JP" altLang="en-US" sz="1000" dirty="0"/>
           </a:p>
@@ -20846,11 +20850,7 @@
             </a:r>
             <a:r>
               <a:rPr kumimoji="1" lang="en-US" altLang="ja-JP" sz="1000" dirty="0" smtClean="0"/>
-              <a:t>-7</a:t>
-            </a:r>
-            <a:r>
-              <a:rPr kumimoji="1" lang="en-US" altLang="ja-JP" sz="1000" dirty="0" smtClean="0"/>
-              <a:t>-2</a:t>
+              <a:t>-7-2</a:t>
             </a:r>
             <a:endParaRPr kumimoji="1" lang="ja-JP" altLang="en-US" sz="1000" dirty="0"/>
           </a:p>
@@ -20869,6 +20869,48 @@
           </a:xfrm>
           <a:prstGeom prst="straightConnector1">
             <a:avLst/>
+          </a:prstGeom>
+          <a:ln>
+            <a:solidFill>
+              <a:schemeClr val="tx1"/>
+            </a:solidFill>
+            <a:tailEnd type="arrow"/>
+          </a:ln>
+          <a:effectLst/>
+        </p:spPr>
+        <p:style>
+          <a:lnRef idx="2">
+            <a:schemeClr val="accent1"/>
+          </a:lnRef>
+          <a:fillRef idx="0">
+            <a:schemeClr val="accent1"/>
+          </a:fillRef>
+          <a:effectRef idx="1">
+            <a:schemeClr val="accent1"/>
+          </a:effectRef>
+          <a:fontRef idx="minor">
+            <a:schemeClr val="tx1"/>
+          </a:fontRef>
+        </p:style>
+      </p:cxnSp>
+      <p:cxnSp>
+        <p:nvCxnSpPr>
+          <p:cNvPr id="47" name="Straight Arrow Connector 46"/>
+          <p:cNvCxnSpPr>
+            <a:stCxn id="70" idx="3"/>
+            <a:endCxn id="45" idx="3"/>
+          </p:cNvCxnSpPr>
+          <p:nvPr/>
+        </p:nvCxnSpPr>
+        <p:spPr>
+          <a:xfrm flipH="1">
+            <a:off x="3527783" y="1298507"/>
+            <a:ext cx="2216800" cy="3133243"/>
+          </a:xfrm>
+          <a:prstGeom prst="bentConnector3">
+            <a:avLst>
+              <a:gd name="adj1" fmla="val -24126"/>
+            </a:avLst>
           </a:prstGeom>
           <a:ln>
             <a:solidFill>
@@ -35273,14 +35315,14 @@
           <p:nvPr>
             <p:extLst>
               <p:ext uri="{D42A27DB-BD31-4B8C-83A1-F6EECF244321}">
-                <p14:modId xmlns:p14="http://schemas.microsoft.com/office/powerpoint/2010/main" val="2579540892"/>
+                <p14:modId xmlns:p14="http://schemas.microsoft.com/office/powerpoint/2010/main" val="538133555"/>
               </p:ext>
             </p:extLst>
           </p:nvPr>
         </p:nvGraphicFramePr>
         <p:xfrm>
           <a:off x="5156198" y="1009450"/>
-          <a:ext cx="3903137" cy="2031650"/>
+          <a:ext cx="3903137" cy="2358732"/>
         </p:xfrm>
         <a:graphic>
           <a:graphicData uri="http://schemas.openxmlformats.org/drawingml/2006/table">
@@ -35724,6 +35766,80 @@
                     <a:p>
                       <a:r>
                         <a:rPr kumimoji="1" lang="en-US" altLang="ja-JP" sz="1000" dirty="0" smtClean="0"/>
+                        <a:t>Preview</a:t>
+                      </a:r>
+                      <a:endParaRPr kumimoji="1" lang="ja-JP" altLang="en-US" sz="1000" dirty="0"/>
+                    </a:p>
+                  </a:txBody>
+                  <a:tcPr anchor="ctr"/>
+                </a:tc>
+                <a:tc>
+                  <a:txBody>
+                    <a:bodyPr/>
+                    <a:lstStyle/>
+                    <a:p>
+                      <a:endParaRPr kumimoji="1" lang="ja-JP" altLang="en-US" sz="1000" dirty="0"/>
+                    </a:p>
+                  </a:txBody>
+                  <a:tcPr/>
+                </a:tc>
+                <a:tc>
+                  <a:txBody>
+                    <a:bodyPr/>
+                    <a:lstStyle/>
+                    <a:p>
+                      <a:r>
+                        <a:rPr kumimoji="1" lang="en-US" altLang="ja-JP" sz="1000" dirty="0" smtClean="0"/>
+                        <a:t>Preview post</a:t>
+                      </a:r>
+                      <a:endParaRPr kumimoji="1" lang="ja-JP" altLang="en-US" sz="1000" dirty="0"/>
+                    </a:p>
+                  </a:txBody>
+                  <a:tcPr/>
+                </a:tc>
+                <a:tc>
+                  <a:txBody>
+                    <a:bodyPr/>
+                    <a:lstStyle/>
+                    <a:p>
+                      <a:r>
+                        <a:rPr kumimoji="1" lang="en-US" altLang="ja-JP" sz="1000" dirty="0" smtClean="0">
+                          <a:latin typeface="Calibri"/>
+                          <a:cs typeface="Calibri"/>
+                        </a:rPr>
+                        <a:t>S-7-2</a:t>
+                      </a:r>
+                      <a:endParaRPr kumimoji="1" lang="ja-JP" altLang="en-US" sz="1000" dirty="0">
+                        <a:latin typeface="Calibri"/>
+                        <a:cs typeface="Calibri"/>
+                      </a:endParaRPr>
+                    </a:p>
+                  </a:txBody>
+                  <a:tcPr anchor="ctr" anchorCtr="1"/>
+                </a:tc>
+              </a:tr>
+              <a:tr h="327082">
+                <a:tc>
+                  <a:txBody>
+                    <a:bodyPr/>
+                    <a:lstStyle/>
+                    <a:p>
+                      <a:r>
+                        <a:rPr kumimoji="1" lang="en-US" altLang="ja-JP" sz="1000" dirty="0" smtClean="0"/>
+                        <a:t>6</a:t>
+                      </a:r>
+                      <a:endParaRPr kumimoji="1" lang="ja-JP" altLang="en-US" sz="1000" dirty="0"/>
+                    </a:p>
+                  </a:txBody>
+                  <a:tcPr anchor="ctr" anchorCtr="1"/>
+                </a:tc>
+                <a:tc>
+                  <a:txBody>
+                    <a:bodyPr/>
+                    <a:lstStyle/>
+                    <a:p>
+                      <a:r>
+                        <a:rPr kumimoji="1" lang="en-US" altLang="ja-JP" sz="1000" dirty="0" smtClean="0"/>
                         <a:t>Edit Post</a:t>
                       </a:r>
                       <a:endParaRPr kumimoji="1" lang="ja-JP" altLang="en-US" sz="1000" dirty="0"/>
@@ -37324,48 +37440,6 @@
       </p:sp>
       <p:sp>
         <p:nvSpPr>
-          <p:cNvPr id="45" name="Rounded Rectangle 44"/>
-          <p:cNvSpPr/>
-          <p:nvPr/>
-        </p:nvSpPr>
-        <p:spPr>
-          <a:xfrm>
-            <a:off x="1257824" y="4175778"/>
-            <a:ext cx="1516891" cy="245533"/>
-          </a:xfrm>
-          <a:prstGeom prst="roundRect">
-            <a:avLst/>
-          </a:prstGeom>
-        </p:spPr>
-        <p:style>
-          <a:lnRef idx="1">
-            <a:schemeClr val="accent1"/>
-          </a:lnRef>
-          <a:fillRef idx="3">
-            <a:schemeClr val="accent1"/>
-          </a:fillRef>
-          <a:effectRef idx="2">
-            <a:schemeClr val="accent1"/>
-          </a:effectRef>
-          <a:fontRef idx="minor">
-            <a:schemeClr val="lt1"/>
-          </a:fontRef>
-        </p:style>
-        <p:txBody>
-          <a:bodyPr rtlCol="0" anchor="ctr" anchorCtr="1"/>
-          <a:lstStyle/>
-          <a:p>
-            <a:pPr algn="ctr"/>
-            <a:r>
-              <a:rPr lang="en-US" sz="1200" dirty="0" smtClean="0"/>
-              <a:t>Edit Post</a:t>
-            </a:r>
-            <a:endParaRPr lang="en-US" sz="1200" dirty="0"/>
-          </a:p>
-        </p:txBody>
-      </p:sp>
-      <p:sp>
-        <p:nvSpPr>
           <p:cNvPr id="46" name="Rectangle 45"/>
           <p:cNvSpPr/>
           <p:nvPr/>
@@ -37751,13 +37825,135 @@
       </p:sp>
       <p:sp>
         <p:nvSpPr>
+          <p:cNvPr id="31" name="Rounded Rectangle 30"/>
+          <p:cNvSpPr/>
+          <p:nvPr/>
+        </p:nvSpPr>
+        <p:spPr>
+          <a:xfrm>
+            <a:off x="2116578" y="4175778"/>
+            <a:ext cx="1054445" cy="245533"/>
+          </a:xfrm>
+          <a:prstGeom prst="roundRect">
+            <a:avLst/>
+          </a:prstGeom>
+        </p:spPr>
+        <p:style>
+          <a:lnRef idx="1">
+            <a:schemeClr val="accent1"/>
+          </a:lnRef>
+          <a:fillRef idx="3">
+            <a:schemeClr val="accent1"/>
+          </a:fillRef>
+          <a:effectRef idx="2">
+            <a:schemeClr val="accent1"/>
+          </a:effectRef>
+          <a:fontRef idx="minor">
+            <a:schemeClr val="lt1"/>
+          </a:fontRef>
+        </p:style>
+        <p:txBody>
+          <a:bodyPr rtlCol="0" anchor="ctr" anchorCtr="1"/>
+          <a:lstStyle/>
+          <a:p>
+            <a:pPr algn="ctr"/>
+            <a:r>
+              <a:rPr lang="en-US" sz="1200" dirty="0" smtClean="0"/>
+              <a:t>Edit Post</a:t>
+            </a:r>
+            <a:endParaRPr lang="en-US" sz="1200" dirty="0"/>
+          </a:p>
+        </p:txBody>
+      </p:sp>
+      <p:sp>
+        <p:nvSpPr>
+          <p:cNvPr id="32" name="Rounded Rectangle 31"/>
+          <p:cNvSpPr/>
+          <p:nvPr/>
+        </p:nvSpPr>
+        <p:spPr>
+          <a:xfrm>
+            <a:off x="765276" y="4175778"/>
+            <a:ext cx="985545" cy="245533"/>
+          </a:xfrm>
+          <a:prstGeom prst="roundRect">
+            <a:avLst/>
+          </a:prstGeom>
+        </p:spPr>
+        <p:style>
+          <a:lnRef idx="1">
+            <a:schemeClr val="accent1"/>
+          </a:lnRef>
+          <a:fillRef idx="3">
+            <a:schemeClr val="accent1"/>
+          </a:fillRef>
+          <a:effectRef idx="2">
+            <a:schemeClr val="accent1"/>
+          </a:effectRef>
+          <a:fontRef idx="minor">
+            <a:schemeClr val="lt1"/>
+          </a:fontRef>
+        </p:style>
+        <p:txBody>
+          <a:bodyPr rtlCol="0" anchor="ctr" anchorCtr="1"/>
+          <a:lstStyle/>
+          <a:p>
+            <a:pPr algn="ctr"/>
+            <a:r>
+              <a:rPr lang="en-US" sz="1200" dirty="0" smtClean="0"/>
+              <a:t>Preview</a:t>
+            </a:r>
+            <a:endParaRPr lang="en-US" sz="1200" dirty="0"/>
+          </a:p>
+        </p:txBody>
+      </p:sp>
+      <p:sp>
+        <p:nvSpPr>
           <p:cNvPr id="77" name="TextBox 76"/>
           <p:cNvSpPr txBox="1"/>
           <p:nvPr/>
         </p:nvSpPr>
         <p:spPr>
           <a:xfrm>
-            <a:off x="2692060" y="4262172"/>
+            <a:off x="3007306" y="4298200"/>
+            <a:ext cx="327433" cy="246221"/>
+          </a:xfrm>
+          <a:prstGeom prst="rect">
+            <a:avLst/>
+          </a:prstGeom>
+          <a:noFill/>
+        </p:spPr>
+        <p:txBody>
+          <a:bodyPr wrap="none" rtlCol="0">
+            <a:spAutoFit/>
+          </a:bodyPr>
+          <a:lstStyle/>
+          <a:p>
+            <a:r>
+              <a:rPr kumimoji="1" lang="en-US" altLang="ja-JP" sz="1000" dirty="0" smtClean="0">
+                <a:solidFill>
+                  <a:srgbClr val="FF0000"/>
+                </a:solidFill>
+              </a:rPr>
+              <a:t>(6)</a:t>
+            </a:r>
+            <a:endParaRPr kumimoji="1" lang="ja-JP" altLang="en-US" sz="1000" dirty="0">
+              <a:solidFill>
+                <a:srgbClr val="FF0000"/>
+              </a:solidFill>
+            </a:endParaRPr>
+          </a:p>
+        </p:txBody>
+      </p:sp>
+      <p:sp>
+        <p:nvSpPr>
+          <p:cNvPr id="33" name="TextBox 32"/>
+          <p:cNvSpPr txBox="1"/>
+          <p:nvPr/>
+        </p:nvSpPr>
+        <p:spPr>
+          <a:xfrm>
+            <a:off x="1587104" y="4275150"/>
             <a:ext cx="327433" cy="246221"/>
           </a:xfrm>
           <a:prstGeom prst="rect">
